--- a/Presentation.pptx
+++ b/Presentation.pptx
@@ -113,6 +113,11 @@
       </a:defRPr>
     </a:lvl9pPr>
   </p:defaultTextStyle>
+  <p:extLst>
+    <p:ext uri="{EFAFB233-063F-42B5-8137-9DF3F51BA10A}">
+      <p15:sldGuideLst xmlns:p15="http://schemas.microsoft.com/office/powerpoint/2012/main"/>
+    </p:ext>
+  </p:extLst>
 </p:presentation>
 </file>
 
@@ -2008,7 +2013,7 @@
             <a:fld id="{5923F103-BC34-4FE4-A40E-EDDEECFDA5D0}" type="datetimeFigureOut">
               <a:rPr lang="en-US" smtClean="0"/>
               <a:pPr/>
-              <a:t>10/8/2023</a:t>
+              <a:t>10/9/2023</a:t>
             </a:fld>
             <a:endParaRPr lang="en-US" dirty="0"/>
           </a:p>
@@ -2274,7 +2279,7 @@
           <a:p>
             <a:fld id="{2BE451C3-0FF4-47C4-B829-773ADF60F88C}" type="datetimeFigureOut">
               <a:rPr lang="en-US" smtClean="0"/>
-              <a:t>10/8/2023</a:t>
+              <a:t>10/9/2023</a:t>
             </a:fld>
             <a:endParaRPr lang="en-US" dirty="0"/>
           </a:p>
@@ -2603,7 +2608,7 @@
           <a:p>
             <a:fld id="{2BE451C3-0FF4-47C4-B829-773ADF60F88C}" type="datetimeFigureOut">
               <a:rPr lang="en-US" smtClean="0"/>
-              <a:t>10/8/2023</a:t>
+              <a:t>10/9/2023</a:t>
             </a:fld>
             <a:endParaRPr lang="en-US" dirty="0"/>
           </a:p>
@@ -2959,7 +2964,7 @@
           <a:p>
             <a:fld id="{2BE451C3-0FF4-47C4-B829-773ADF60F88C}" type="datetimeFigureOut">
               <a:rPr lang="en-US" smtClean="0"/>
-              <a:t>10/8/2023</a:t>
+              <a:t>10/9/2023</a:t>
             </a:fld>
             <a:endParaRPr lang="en-US" dirty="0"/>
           </a:p>
@@ -3288,7 +3293,7 @@
           <a:p>
             <a:fld id="{2BE451C3-0FF4-47C4-B829-773ADF60F88C}" type="datetimeFigureOut">
               <a:rPr lang="en-US" smtClean="0"/>
-              <a:t>10/8/2023</a:t>
+              <a:t>10/9/2023</a:t>
             </a:fld>
             <a:endParaRPr lang="en-US" dirty="0"/>
           </a:p>
@@ -3696,7 +3701,7 @@
           <a:p>
             <a:fld id="{2BE451C3-0FF4-47C4-B829-773ADF60F88C}" type="datetimeFigureOut">
               <a:rPr lang="en-US" smtClean="0"/>
-              <a:t>10/8/2023</a:t>
+              <a:t>10/9/2023</a:t>
             </a:fld>
             <a:endParaRPr lang="en-US" dirty="0"/>
           </a:p>
@@ -3881,7 +3886,7 @@
           <a:p>
             <a:fld id="{53086D93-FCAC-47E0-A2EE-787E62CA814C}" type="datetimeFigureOut">
               <a:rPr lang="en-US" smtClean="0"/>
-              <a:t>10/8/2023</a:t>
+              <a:t>10/9/2023</a:t>
             </a:fld>
             <a:endParaRPr lang="en-US" dirty="0"/>
           </a:p>
@@ -4076,7 +4081,7 @@
           <a:p>
             <a:fld id="{CDA879A6-0FD0-4734-A311-86BFCA472E6E}" type="datetimeFigureOut">
               <a:rPr lang="en-US" smtClean="0"/>
-              <a:t>10/8/2023</a:t>
+              <a:t>10/9/2023</a:t>
             </a:fld>
             <a:endParaRPr lang="en-US" dirty="0"/>
           </a:p>
@@ -4872,7 +4877,7 @@
           <a:p>
             <a:fld id="{19C9CA7B-DFD4-44B5-8C60-D14B8CD1FB59}" type="datetimeFigureOut">
               <a:rPr lang="en-US" smtClean="0"/>
-              <a:t>10/8/2023</a:t>
+              <a:t>10/9/2023</a:t>
             </a:fld>
             <a:endParaRPr lang="en-US" dirty="0"/>
           </a:p>
@@ -5134,7 +5139,7 @@
           <a:p>
             <a:fld id="{F34E6425-0181-43F2-84FC-787E803FD2F8}" type="datetimeFigureOut">
               <a:rPr lang="en-US" smtClean="0"/>
-              <a:t>10/8/2023</a:t>
+              <a:t>10/9/2023</a:t>
             </a:fld>
             <a:endParaRPr lang="en-US" dirty="0"/>
           </a:p>
@@ -5381,7 +5386,7 @@
           <a:p>
             <a:fld id="{3BDB8791-F1B0-41E7-B7FD-A781E65C4266}" type="datetimeFigureOut">
               <a:rPr lang="en-US" smtClean="0"/>
-              <a:t>10/8/2023</a:t>
+              <a:t>10/9/2023</a:t>
             </a:fld>
             <a:endParaRPr lang="en-US" dirty="0"/>
           </a:p>
@@ -5770,7 +5775,7 @@
           <a:p>
             <a:fld id="{5FDD63B2-E120-4ED8-B27B-C685F510A5FE}" type="datetimeFigureOut">
               <a:rPr lang="en-US" smtClean="0"/>
-              <a:t>10/8/2023</a:t>
+              <a:t>10/9/2023</a:t>
             </a:fld>
             <a:endParaRPr lang="en-US" dirty="0"/>
           </a:p>
@@ -5908,7 +5913,7 @@
           <a:p>
             <a:fld id="{7AA18ACC-A947-437B-A130-35BD54FDF1E9}" type="datetimeFigureOut">
               <a:rPr lang="en-US" smtClean="0"/>
-              <a:t>10/8/2023</a:t>
+              <a:t>10/9/2023</a:t>
             </a:fld>
             <a:endParaRPr lang="en-US" dirty="0"/>
           </a:p>
@@ -6018,7 +6023,7 @@
           <a:p>
             <a:fld id="{7C8D7E02-BCB8-4D50-A234-369438C08659}" type="datetimeFigureOut">
               <a:rPr lang="en-US" smtClean="0"/>
-              <a:t>10/8/2023</a:t>
+              <a:t>10/9/2023</a:t>
             </a:fld>
             <a:endParaRPr lang="en-US" dirty="0"/>
           </a:p>
@@ -6287,7 +6292,7 @@
           <a:p>
             <a:fld id="{76E86A4C-8E40-4F87-A4F0-01A0687C5742}" type="datetimeFigureOut">
               <a:rPr lang="en-US" smtClean="0"/>
-              <a:t>10/8/2023</a:t>
+              <a:t>10/9/2023</a:t>
             </a:fld>
             <a:endParaRPr lang="en-US" dirty="0"/>
           </a:p>
@@ -6565,7 +6570,7 @@
           <a:p>
             <a:fld id="{35E72C73-2D91-4E12-BA25-F0AA0C03599B}" type="datetimeFigureOut">
               <a:rPr lang="en-US" smtClean="0"/>
-              <a:t>10/8/2023</a:t>
+              <a:t>10/9/2023</a:t>
             </a:fld>
             <a:endParaRPr lang="en-US" dirty="0"/>
           </a:p>
@@ -7323,7 +7328,7 @@
           <a:p>
             <a:fld id="{2BE451C3-0FF4-47C4-B829-773ADF60F88C}" type="datetimeFigureOut">
               <a:rPr lang="en-US" smtClean="0"/>
-              <a:t>10/8/2023</a:t>
+              <a:t>10/9/2023</a:t>
             </a:fld>
             <a:endParaRPr lang="en-US" dirty="0"/>
           </a:p>
@@ -7991,7 +7996,7 @@
                             </p:stCondLst>
                             <p:childTnLst>
                               <p:par>
-                                <p:cTn id="5" presetID="10" presetClass="entr" presetSubtype="0" fill="hold" nodeType="clickEffect">
+                                <p:cTn id="5" presetID="21" presetClass="entr" presetSubtype="1" fill="hold" nodeType="clickEffect">
                                   <p:stCondLst>
                                     <p:cond delay="0"/>
                                   </p:stCondLst>
@@ -8014,9 +8019,9 @@
                                         <p:strVal val="visible"/>
                                       </p:to>
                                     </p:set>
-                                    <p:animEffect transition="in" filter="fade">
+                                    <p:animEffect transition="in" filter="wheel(1)">
                                       <p:cBhvr>
-                                        <p:cTn id="7" dur="500"/>
+                                        <p:cTn id="7" dur="2000"/>
                                         <p:tgtEl>
                                           <p:spTgt spid="1026"/>
                                         </p:tgtEl>
@@ -8044,7 +8049,7 @@
                             </p:stCondLst>
                             <p:childTnLst>
                               <p:par>
-                                <p:cTn id="10" presetID="2" presetClass="entr" presetSubtype="4" fill="hold" grpId="0" nodeType="clickEffect">
+                                <p:cTn id="10" presetID="16" presetClass="entr" presetSubtype="21" fill="hold" grpId="0" nodeType="clickEffect">
                                   <p:stCondLst>
                                     <p:cond delay="0"/>
                                   </p:stCondLst>
@@ -8067,52 +8072,14 @@
                                         <p:strVal val="visible"/>
                                       </p:to>
                                     </p:set>
-                                    <p:anim calcmode="lin" valueType="num">
-                                      <p:cBhvr additive="base">
-                                        <p:cTn id="12" dur="500" fill="hold"/>
+                                    <p:animEffect transition="in" filter="barn(inVertical)">
+                                      <p:cBhvr>
+                                        <p:cTn id="12" dur="500"/>
                                         <p:tgtEl>
                                           <p:spTgt spid="54"/>
                                         </p:tgtEl>
-                                        <p:attrNameLst>
-                                          <p:attrName>ppt_x</p:attrName>
-                                        </p:attrNameLst>
                                       </p:cBhvr>
-                                      <p:tavLst>
-                                        <p:tav tm="0">
-                                          <p:val>
-                                            <p:strVal val="#ppt_x"/>
-                                          </p:val>
-                                        </p:tav>
-                                        <p:tav tm="100000">
-                                          <p:val>
-                                            <p:strVal val="#ppt_x"/>
-                                          </p:val>
-                                        </p:tav>
-                                      </p:tavLst>
-                                    </p:anim>
-                                    <p:anim calcmode="lin" valueType="num">
-                                      <p:cBhvr additive="base">
-                                        <p:cTn id="13" dur="500" fill="hold"/>
-                                        <p:tgtEl>
-                                          <p:spTgt spid="54"/>
-                                        </p:tgtEl>
-                                        <p:attrNameLst>
-                                          <p:attrName>ppt_y</p:attrName>
-                                        </p:attrNameLst>
-                                      </p:cBhvr>
-                                      <p:tavLst>
-                                        <p:tav tm="0">
-                                          <p:val>
-                                            <p:strVal val="1+#ppt_h/2"/>
-                                          </p:val>
-                                        </p:tav>
-                                        <p:tav tm="100000">
-                                          <p:val>
-                                            <p:strVal val="#ppt_y"/>
-                                          </p:val>
-                                        </p:tav>
-                                      </p:tavLst>
-                                    </p:anim>
+                                    </p:animEffect>
                                   </p:childTnLst>
                                 </p:cTn>
                               </p:par>
@@ -8198,10 +8165,10 @@
               <a:buNone/>
             </a:pPr>
             <a:r>
-              <a:rPr lang="en"/>
+              <a:rPr lang="en" dirty="0"/>
               <a:t>Elevator pitch</a:t>
             </a:r>
-            <a:endParaRPr/>
+            <a:endParaRPr dirty="0"/>
           </a:p>
         </p:txBody>
       </p:sp>
@@ -8210,6 +8177,130 @@
   <p:clrMapOvr>
     <a:masterClrMapping/>
   </p:clrMapOvr>
+  <p:timing>
+    <p:tnLst>
+      <p:par>
+        <p:cTn id="1" dur="indefinite" restart="never" nodeType="tmRoot">
+          <p:childTnLst>
+            <p:seq concurrent="1" nextAc="seek">
+              <p:cTn id="2" dur="indefinite" nodeType="mainSeq">
+                <p:childTnLst>
+                  <p:par>
+                    <p:cTn id="3" fill="hold">
+                      <p:stCondLst>
+                        <p:cond delay="indefinite"/>
+                      </p:stCondLst>
+                      <p:childTnLst>
+                        <p:par>
+                          <p:cTn id="4" fill="hold">
+                            <p:stCondLst>
+                              <p:cond delay="0"/>
+                            </p:stCondLst>
+                            <p:childTnLst>
+                              <p:par>
+                                <p:cTn id="5" presetID="2" presetClass="entr" presetSubtype="4" fill="hold" grpId="0" nodeType="clickEffect">
+                                  <p:stCondLst>
+                                    <p:cond delay="0"/>
+                                  </p:stCondLst>
+                                  <p:childTnLst>
+                                    <p:set>
+                                      <p:cBhvr>
+                                        <p:cTn id="6" dur="1" fill="hold">
+                                          <p:stCondLst>
+                                            <p:cond delay="0"/>
+                                          </p:stCondLst>
+                                        </p:cTn>
+                                        <p:tgtEl>
+                                          <p:spTgt spid="60"/>
+                                        </p:tgtEl>
+                                        <p:attrNameLst>
+                                          <p:attrName>style.visibility</p:attrName>
+                                        </p:attrNameLst>
+                                      </p:cBhvr>
+                                      <p:to>
+                                        <p:strVal val="visible"/>
+                                      </p:to>
+                                    </p:set>
+                                    <p:anim calcmode="lin" valueType="num">
+                                      <p:cBhvr additive="base">
+                                        <p:cTn id="7" dur="500" fill="hold"/>
+                                        <p:tgtEl>
+                                          <p:spTgt spid="60"/>
+                                        </p:tgtEl>
+                                        <p:attrNameLst>
+                                          <p:attrName>ppt_x</p:attrName>
+                                        </p:attrNameLst>
+                                      </p:cBhvr>
+                                      <p:tavLst>
+                                        <p:tav tm="0">
+                                          <p:val>
+                                            <p:strVal val="#ppt_x"/>
+                                          </p:val>
+                                        </p:tav>
+                                        <p:tav tm="100000">
+                                          <p:val>
+                                            <p:strVal val="#ppt_x"/>
+                                          </p:val>
+                                        </p:tav>
+                                      </p:tavLst>
+                                    </p:anim>
+                                    <p:anim calcmode="lin" valueType="num">
+                                      <p:cBhvr additive="base">
+                                        <p:cTn id="8" dur="500" fill="hold"/>
+                                        <p:tgtEl>
+                                          <p:spTgt spid="60"/>
+                                        </p:tgtEl>
+                                        <p:attrNameLst>
+                                          <p:attrName>ppt_y</p:attrName>
+                                        </p:attrNameLst>
+                                      </p:cBhvr>
+                                      <p:tavLst>
+                                        <p:tav tm="0">
+                                          <p:val>
+                                            <p:strVal val="1+#ppt_h/2"/>
+                                          </p:val>
+                                        </p:tav>
+                                        <p:tav tm="100000">
+                                          <p:val>
+                                            <p:strVal val="#ppt_y"/>
+                                          </p:val>
+                                        </p:tav>
+                                      </p:tavLst>
+                                    </p:anim>
+                                  </p:childTnLst>
+                                </p:cTn>
+                              </p:par>
+                            </p:childTnLst>
+                          </p:cTn>
+                        </p:par>
+                      </p:childTnLst>
+                    </p:cTn>
+                  </p:par>
+                </p:childTnLst>
+              </p:cTn>
+              <p:prevCondLst>
+                <p:cond evt="onPrev" delay="0">
+                  <p:tgtEl>
+                    <p:sldTgt/>
+                  </p:tgtEl>
+                </p:cond>
+              </p:prevCondLst>
+              <p:nextCondLst>
+                <p:cond evt="onNext" delay="0">
+                  <p:tgtEl>
+                    <p:sldTgt/>
+                  </p:tgtEl>
+                </p:cond>
+              </p:nextCondLst>
+            </p:seq>
+          </p:childTnLst>
+        </p:cTn>
+      </p:par>
+    </p:tnLst>
+    <p:bldLst>
+      <p:bldP spid="60" grpId="0"/>
+    </p:bldLst>
+  </p:timing>
 </p:sld>
 </file>
 
@@ -8261,10 +8352,10 @@
               <a:buNone/>
             </a:pPr>
             <a:r>
-              <a:rPr lang="en"/>
+              <a:rPr lang="en" dirty="0"/>
               <a:t>Concept</a:t>
             </a:r>
-            <a:endParaRPr/>
+            <a:endParaRPr dirty="0"/>
           </a:p>
         </p:txBody>
       </p:sp>
@@ -8279,6 +8370,10 @@
           </p:nvPr>
         </p:nvSpPr>
         <p:spPr>
+          <a:xfrm>
+            <a:off x="311700" y="1152475"/>
+            <a:ext cx="8520600" cy="3688466"/>
+          </a:xfrm>
           <a:prstGeom prst="rect">
             <a:avLst/>
           </a:prstGeom>
@@ -8295,7 +8390,7 @@
             </a:pPr>
             <a:r>
               <a:rPr lang="en-US" dirty="0"/>
-              <a:t>Create a website that will generate recipes under $40</a:t>
+              <a:t>To create a recipe generating website that is budget friendly</a:t>
             </a:r>
           </a:p>
           <a:p>
@@ -8320,7 +8415,7 @@
             </a:r>
             <a:r>
               <a:rPr lang="en" dirty="0"/>
-              <a:t>r motiviation is understanding the cost of living and goods is rising and want to create a tool that make it less stressful for families to create cost effective meals</a:t>
+              <a:t>r motiviation is understanding the cost of living and goods is rising across the country.  We want to be a part of the solution and create a tool that make it less stressful for families to create cost effective meals.</a:t>
             </a:r>
           </a:p>
           <a:p>
@@ -8358,7 +8453,7 @@
             </a:pPr>
             <a:r>
               <a:rPr lang="en-US" dirty="0"/>
-              <a:t>As a user who wants to identify meals that fit my budget.</a:t>
+              <a:t>As a user, I want to identify meals that fit my budget.</a:t>
             </a:r>
           </a:p>
           <a:p>
@@ -8383,7 +8478,7 @@
             </a:pPr>
             <a:r>
               <a:rPr lang="en-US" dirty="0"/>
-              <a:t>I should be able to enter criteria for my preferences so that I can choose from a list of meals. options that meet my preference and budget.</a:t>
+              <a:t>I should be able to enter criteria for my preferences so that I can choose from a list of meals options that meet my preference and budget.</a:t>
             </a:r>
           </a:p>
           <a:p>
@@ -8444,6 +8539,463 @@
   <p:clrMapOvr>
     <a:masterClrMapping/>
   </p:clrMapOvr>
+  <p:timing>
+    <p:tnLst>
+      <p:par>
+        <p:cTn id="1" dur="indefinite" restart="never" nodeType="tmRoot">
+          <p:childTnLst>
+            <p:seq concurrent="1" nextAc="seek">
+              <p:cTn id="2" dur="indefinite" nodeType="mainSeq">
+                <p:childTnLst>
+                  <p:par>
+                    <p:cTn id="3" fill="hold">
+                      <p:stCondLst>
+                        <p:cond delay="indefinite"/>
+                      </p:stCondLst>
+                      <p:childTnLst>
+                        <p:par>
+                          <p:cTn id="4" fill="hold">
+                            <p:stCondLst>
+                              <p:cond delay="0"/>
+                            </p:stCondLst>
+                            <p:childTnLst>
+                              <p:par>
+                                <p:cTn id="5" presetID="10" presetClass="entr" presetSubtype="0" fill="hold" nodeType="clickEffect">
+                                  <p:stCondLst>
+                                    <p:cond delay="0"/>
+                                  </p:stCondLst>
+                                  <p:childTnLst>
+                                    <p:set>
+                                      <p:cBhvr>
+                                        <p:cTn id="6" dur="1" fill="hold">
+                                          <p:stCondLst>
+                                            <p:cond delay="0"/>
+                                          </p:stCondLst>
+                                        </p:cTn>
+                                        <p:tgtEl>
+                                          <p:spTgt spid="66">
+                                            <p:txEl>
+                                              <p:pRg st="0" end="0"/>
+                                            </p:txEl>
+                                          </p:spTgt>
+                                        </p:tgtEl>
+                                        <p:attrNameLst>
+                                          <p:attrName>style.visibility</p:attrName>
+                                        </p:attrNameLst>
+                                      </p:cBhvr>
+                                      <p:to>
+                                        <p:strVal val="visible"/>
+                                      </p:to>
+                                    </p:set>
+                                    <p:animEffect transition="in" filter="fade">
+                                      <p:cBhvr>
+                                        <p:cTn id="7" dur="500"/>
+                                        <p:tgtEl>
+                                          <p:spTgt spid="66">
+                                            <p:txEl>
+                                              <p:pRg st="0" end="0"/>
+                                            </p:txEl>
+                                          </p:spTgt>
+                                        </p:tgtEl>
+                                      </p:cBhvr>
+                                    </p:animEffect>
+                                  </p:childTnLst>
+                                </p:cTn>
+                              </p:par>
+                            </p:childTnLst>
+                          </p:cTn>
+                        </p:par>
+                      </p:childTnLst>
+                    </p:cTn>
+                  </p:par>
+                  <p:par>
+                    <p:cTn id="8" fill="hold">
+                      <p:stCondLst>
+                        <p:cond delay="indefinite"/>
+                      </p:stCondLst>
+                      <p:childTnLst>
+                        <p:par>
+                          <p:cTn id="9" fill="hold">
+                            <p:stCondLst>
+                              <p:cond delay="0"/>
+                            </p:stCondLst>
+                            <p:childTnLst>
+                              <p:par>
+                                <p:cTn id="10" presetID="10" presetClass="entr" presetSubtype="0" fill="hold" nodeType="clickEffect">
+                                  <p:stCondLst>
+                                    <p:cond delay="0"/>
+                                  </p:stCondLst>
+                                  <p:childTnLst>
+                                    <p:set>
+                                      <p:cBhvr>
+                                        <p:cTn id="11" dur="1" fill="hold">
+                                          <p:stCondLst>
+                                            <p:cond delay="0"/>
+                                          </p:stCondLst>
+                                        </p:cTn>
+                                        <p:tgtEl>
+                                          <p:spTgt spid="66">
+                                            <p:txEl>
+                                              <p:pRg st="2" end="2"/>
+                                            </p:txEl>
+                                          </p:spTgt>
+                                        </p:tgtEl>
+                                        <p:attrNameLst>
+                                          <p:attrName>style.visibility</p:attrName>
+                                        </p:attrNameLst>
+                                      </p:cBhvr>
+                                      <p:to>
+                                        <p:strVal val="visible"/>
+                                      </p:to>
+                                    </p:set>
+                                    <p:animEffect transition="in" filter="fade">
+                                      <p:cBhvr>
+                                        <p:cTn id="12" dur="500"/>
+                                        <p:tgtEl>
+                                          <p:spTgt spid="66">
+                                            <p:txEl>
+                                              <p:pRg st="2" end="2"/>
+                                            </p:txEl>
+                                          </p:spTgt>
+                                        </p:tgtEl>
+                                      </p:cBhvr>
+                                    </p:animEffect>
+                                  </p:childTnLst>
+                                </p:cTn>
+                              </p:par>
+                            </p:childTnLst>
+                          </p:cTn>
+                        </p:par>
+                      </p:childTnLst>
+                    </p:cTn>
+                  </p:par>
+                  <p:par>
+                    <p:cTn id="13" fill="hold">
+                      <p:stCondLst>
+                        <p:cond delay="indefinite"/>
+                      </p:stCondLst>
+                      <p:childTnLst>
+                        <p:par>
+                          <p:cTn id="14" fill="hold">
+                            <p:stCondLst>
+                              <p:cond delay="0"/>
+                            </p:stCondLst>
+                            <p:childTnLst>
+                              <p:par>
+                                <p:cTn id="15" presetID="10" presetClass="entr" presetSubtype="0" fill="hold" nodeType="clickEffect">
+                                  <p:stCondLst>
+                                    <p:cond delay="0"/>
+                                  </p:stCondLst>
+                                  <p:childTnLst>
+                                    <p:set>
+                                      <p:cBhvr>
+                                        <p:cTn id="16" dur="1" fill="hold">
+                                          <p:stCondLst>
+                                            <p:cond delay="0"/>
+                                          </p:stCondLst>
+                                        </p:cTn>
+                                        <p:tgtEl>
+                                          <p:spTgt spid="66">
+                                            <p:txEl>
+                                              <p:pRg st="4" end="4"/>
+                                            </p:txEl>
+                                          </p:spTgt>
+                                        </p:tgtEl>
+                                        <p:attrNameLst>
+                                          <p:attrName>style.visibility</p:attrName>
+                                        </p:attrNameLst>
+                                      </p:cBhvr>
+                                      <p:to>
+                                        <p:strVal val="visible"/>
+                                      </p:to>
+                                    </p:set>
+                                    <p:animEffect transition="in" filter="fade">
+                                      <p:cBhvr>
+                                        <p:cTn id="17" dur="500"/>
+                                        <p:tgtEl>
+                                          <p:spTgt spid="66">
+                                            <p:txEl>
+                                              <p:pRg st="4" end="4"/>
+                                            </p:txEl>
+                                          </p:spTgt>
+                                        </p:tgtEl>
+                                      </p:cBhvr>
+                                    </p:animEffect>
+                                  </p:childTnLst>
+                                </p:cTn>
+                              </p:par>
+                            </p:childTnLst>
+                          </p:cTn>
+                        </p:par>
+                      </p:childTnLst>
+                    </p:cTn>
+                  </p:par>
+                  <p:par>
+                    <p:cTn id="18" fill="hold">
+                      <p:stCondLst>
+                        <p:cond delay="indefinite"/>
+                      </p:stCondLst>
+                      <p:childTnLst>
+                        <p:par>
+                          <p:cTn id="19" fill="hold">
+                            <p:stCondLst>
+                              <p:cond delay="0"/>
+                            </p:stCondLst>
+                            <p:childTnLst>
+                              <p:par>
+                                <p:cTn id="20" presetID="10" presetClass="entr" presetSubtype="0" fill="hold" nodeType="clickEffect">
+                                  <p:stCondLst>
+                                    <p:cond delay="0"/>
+                                  </p:stCondLst>
+                                  <p:childTnLst>
+                                    <p:set>
+                                      <p:cBhvr>
+                                        <p:cTn id="21" dur="1" fill="hold">
+                                          <p:stCondLst>
+                                            <p:cond delay="0"/>
+                                          </p:stCondLst>
+                                        </p:cTn>
+                                        <p:tgtEl>
+                                          <p:spTgt spid="66">
+                                            <p:txEl>
+                                              <p:pRg st="6" end="6"/>
+                                            </p:txEl>
+                                          </p:spTgt>
+                                        </p:tgtEl>
+                                        <p:attrNameLst>
+                                          <p:attrName>style.visibility</p:attrName>
+                                        </p:attrNameLst>
+                                      </p:cBhvr>
+                                      <p:to>
+                                        <p:strVal val="visible"/>
+                                      </p:to>
+                                    </p:set>
+                                    <p:animEffect transition="in" filter="fade">
+                                      <p:cBhvr>
+                                        <p:cTn id="22" dur="500"/>
+                                        <p:tgtEl>
+                                          <p:spTgt spid="66">
+                                            <p:txEl>
+                                              <p:pRg st="6" end="6"/>
+                                            </p:txEl>
+                                          </p:spTgt>
+                                        </p:tgtEl>
+                                      </p:cBhvr>
+                                    </p:animEffect>
+                                  </p:childTnLst>
+                                </p:cTn>
+                              </p:par>
+                            </p:childTnLst>
+                          </p:cTn>
+                        </p:par>
+                      </p:childTnLst>
+                    </p:cTn>
+                  </p:par>
+                  <p:par>
+                    <p:cTn id="23" fill="hold">
+                      <p:stCondLst>
+                        <p:cond delay="indefinite"/>
+                      </p:stCondLst>
+                      <p:childTnLst>
+                        <p:par>
+                          <p:cTn id="24" fill="hold">
+                            <p:stCondLst>
+                              <p:cond delay="0"/>
+                            </p:stCondLst>
+                            <p:childTnLst>
+                              <p:par>
+                                <p:cTn id="25" presetID="10" presetClass="entr" presetSubtype="0" fill="hold" nodeType="clickEffect">
+                                  <p:stCondLst>
+                                    <p:cond delay="0"/>
+                                  </p:stCondLst>
+                                  <p:childTnLst>
+                                    <p:set>
+                                      <p:cBhvr>
+                                        <p:cTn id="26" dur="1" fill="hold">
+                                          <p:stCondLst>
+                                            <p:cond delay="0"/>
+                                          </p:stCondLst>
+                                        </p:cTn>
+                                        <p:tgtEl>
+                                          <p:spTgt spid="66">
+                                            <p:txEl>
+                                              <p:pRg st="8" end="8"/>
+                                            </p:txEl>
+                                          </p:spTgt>
+                                        </p:tgtEl>
+                                        <p:attrNameLst>
+                                          <p:attrName>style.visibility</p:attrName>
+                                        </p:attrNameLst>
+                                      </p:cBhvr>
+                                      <p:to>
+                                        <p:strVal val="visible"/>
+                                      </p:to>
+                                    </p:set>
+                                    <p:animEffect transition="in" filter="fade">
+                                      <p:cBhvr>
+                                        <p:cTn id="27" dur="500"/>
+                                        <p:tgtEl>
+                                          <p:spTgt spid="66">
+                                            <p:txEl>
+                                              <p:pRg st="8" end="8"/>
+                                            </p:txEl>
+                                          </p:spTgt>
+                                        </p:tgtEl>
+                                      </p:cBhvr>
+                                    </p:animEffect>
+                                  </p:childTnLst>
+                                </p:cTn>
+                              </p:par>
+                            </p:childTnLst>
+                          </p:cTn>
+                        </p:par>
+                      </p:childTnLst>
+                    </p:cTn>
+                  </p:par>
+                  <p:par>
+                    <p:cTn id="28" fill="hold">
+                      <p:stCondLst>
+                        <p:cond delay="indefinite"/>
+                      </p:stCondLst>
+                      <p:childTnLst>
+                        <p:par>
+                          <p:cTn id="29" fill="hold">
+                            <p:stCondLst>
+                              <p:cond delay="0"/>
+                            </p:stCondLst>
+                            <p:childTnLst>
+                              <p:par>
+                                <p:cTn id="30" presetID="10" presetClass="entr" presetSubtype="0" fill="hold" nodeType="clickEffect">
+                                  <p:stCondLst>
+                                    <p:cond delay="0"/>
+                                  </p:stCondLst>
+                                  <p:childTnLst>
+                                    <p:set>
+                                      <p:cBhvr>
+                                        <p:cTn id="31" dur="1" fill="hold">
+                                          <p:stCondLst>
+                                            <p:cond delay="0"/>
+                                          </p:stCondLst>
+                                        </p:cTn>
+                                        <p:tgtEl>
+                                          <p:spTgt spid="66">
+                                            <p:txEl>
+                                              <p:pRg st="10" end="10"/>
+                                            </p:txEl>
+                                          </p:spTgt>
+                                        </p:tgtEl>
+                                        <p:attrNameLst>
+                                          <p:attrName>style.visibility</p:attrName>
+                                        </p:attrNameLst>
+                                      </p:cBhvr>
+                                      <p:to>
+                                        <p:strVal val="visible"/>
+                                      </p:to>
+                                    </p:set>
+                                    <p:animEffect transition="in" filter="fade">
+                                      <p:cBhvr>
+                                        <p:cTn id="32" dur="500"/>
+                                        <p:tgtEl>
+                                          <p:spTgt spid="66">
+                                            <p:txEl>
+                                              <p:pRg st="10" end="10"/>
+                                            </p:txEl>
+                                          </p:spTgt>
+                                        </p:tgtEl>
+                                      </p:cBhvr>
+                                    </p:animEffect>
+                                  </p:childTnLst>
+                                </p:cTn>
+                              </p:par>
+                            </p:childTnLst>
+                          </p:cTn>
+                        </p:par>
+                      </p:childTnLst>
+                    </p:cTn>
+                  </p:par>
+                  <p:par>
+                    <p:cTn id="33" fill="hold">
+                      <p:stCondLst>
+                        <p:cond delay="indefinite"/>
+                      </p:stCondLst>
+                      <p:childTnLst>
+                        <p:par>
+                          <p:cTn id="34" fill="hold">
+                            <p:stCondLst>
+                              <p:cond delay="0"/>
+                            </p:stCondLst>
+                            <p:childTnLst>
+                              <p:par>
+                                <p:cTn id="35" presetID="10" presetClass="entr" presetSubtype="0" fill="hold" nodeType="clickEffect">
+                                  <p:stCondLst>
+                                    <p:cond delay="0"/>
+                                  </p:stCondLst>
+                                  <p:childTnLst>
+                                    <p:set>
+                                      <p:cBhvr>
+                                        <p:cTn id="36" dur="1" fill="hold">
+                                          <p:stCondLst>
+                                            <p:cond delay="0"/>
+                                          </p:stCondLst>
+                                        </p:cTn>
+                                        <p:tgtEl>
+                                          <p:spTgt spid="66">
+                                            <p:txEl>
+                                              <p:pRg st="12" end="12"/>
+                                            </p:txEl>
+                                          </p:spTgt>
+                                        </p:tgtEl>
+                                        <p:attrNameLst>
+                                          <p:attrName>style.visibility</p:attrName>
+                                        </p:attrNameLst>
+                                      </p:cBhvr>
+                                      <p:to>
+                                        <p:strVal val="visible"/>
+                                      </p:to>
+                                    </p:set>
+                                    <p:animEffect transition="in" filter="fade">
+                                      <p:cBhvr>
+                                        <p:cTn id="37" dur="500"/>
+                                        <p:tgtEl>
+                                          <p:spTgt spid="66">
+                                            <p:txEl>
+                                              <p:pRg st="12" end="12"/>
+                                            </p:txEl>
+                                          </p:spTgt>
+                                        </p:tgtEl>
+                                      </p:cBhvr>
+                                    </p:animEffect>
+                                  </p:childTnLst>
+                                </p:cTn>
+                              </p:par>
+                            </p:childTnLst>
+                          </p:cTn>
+                        </p:par>
+                      </p:childTnLst>
+                    </p:cTn>
+                  </p:par>
+                </p:childTnLst>
+              </p:cTn>
+              <p:prevCondLst>
+                <p:cond evt="onPrev" delay="0">
+                  <p:tgtEl>
+                    <p:sldTgt/>
+                  </p:tgtEl>
+                </p:cond>
+              </p:prevCondLst>
+              <p:nextCondLst>
+                <p:cond evt="onNext" delay="0">
+                  <p:tgtEl>
+                    <p:sldTgt/>
+                  </p:tgtEl>
+                </p:cond>
+              </p:nextCondLst>
+            </p:seq>
+          </p:childTnLst>
+        </p:cTn>
+      </p:par>
+    </p:tnLst>
+  </p:timing>
 </p:sld>
 </file>
 
@@ -8518,7 +9070,7 @@
           </a:prstGeom>
         </p:spPr>
         <p:txBody>
-          <a:bodyPr spcFirstLastPara="1" wrap="square" lIns="91425" tIns="91425" rIns="91425" bIns="91425" anchor="t" anchorCtr="0">
+          <a:bodyPr spcFirstLastPara="1" wrap="square" lIns="91425" tIns="91425" rIns="91425" bIns="91425" numCol="2" anchor="t" anchorCtr="0">
             <a:noAutofit/>
           </a:bodyPr>
           <a:lstStyle/>
@@ -8533,9 +9085,8 @@
             </a:r>
           </a:p>
           <a:p>
-            <a:pPr>
-              <a:buFont typeface="Wingdings" panose="05000000000000000000" pitchFamily="2" charset="2"/>
-              <a:buChar char="§"/>
+            <a:pPr marL="114300" indent="0">
+              <a:buNone/>
             </a:pPr>
             <a:endParaRPr lang="en-US" dirty="0"/>
           </a:p>
@@ -8619,6 +9170,12 @@
             </a:r>
           </a:p>
           <a:p>
+            <a:pPr marL="114300" indent="0">
+              <a:buNone/>
+            </a:pPr>
+            <a:endParaRPr lang="en" dirty="0"/>
+          </a:p>
+          <a:p>
             <a:pPr marL="857250" lvl="1" indent="-285750">
               <a:spcBef>
                 <a:spcPts val="0"/>
@@ -8629,7 +9186,7 @@
             </a:pPr>
             <a:r>
               <a:rPr lang="en" dirty="0"/>
-              <a:t>Irania</a:t>
+              <a:t>Irania – ReadMe, API research, Hero Image</a:t>
             </a:r>
           </a:p>
           <a:p>
@@ -8643,7 +9200,7 @@
             </a:pPr>
             <a:r>
               <a:rPr lang="en" dirty="0"/>
-              <a:t>Robert</a:t>
+              <a:t>Robert – Javascript, API, User Story, Psuedo code</a:t>
             </a:r>
           </a:p>
           <a:p>
@@ -8657,7 +9214,7 @@
             </a:pPr>
             <a:r>
               <a:rPr lang="en" dirty="0"/>
-              <a:t>Nydia</a:t>
+              <a:t>Nydia – API research, HTML, CSS and Bulma, Presentation</a:t>
             </a:r>
           </a:p>
           <a:p>
@@ -8671,8 +9228,45 @@
             </a:pPr>
             <a:r>
               <a:rPr lang="en" dirty="0"/>
-              <a:t>Parker</a:t>
-            </a:r>
+              <a:t>Parker – Logo and Local Storage</a:t>
+            </a:r>
+          </a:p>
+          <a:p>
+            <a:pPr marL="571500" lvl="1" indent="0">
+              <a:spcBef>
+                <a:spcPts val="0"/>
+              </a:spcBef>
+              <a:buSzPts val="1800"/>
+              <a:buNone/>
+            </a:pPr>
+            <a:endParaRPr lang="en" dirty="0"/>
+          </a:p>
+          <a:p>
+            <a:pPr marL="571500" lvl="1" indent="0">
+              <a:spcBef>
+                <a:spcPts val="0"/>
+              </a:spcBef>
+              <a:buSzPts val="1800"/>
+              <a:buNone/>
+            </a:pPr>
+            <a:endParaRPr lang="en" dirty="0"/>
+          </a:p>
+          <a:p>
+            <a:pPr>
+              <a:buFont typeface="Wingdings" panose="05000000000000000000" pitchFamily="2" charset="2"/>
+              <a:buChar char="§"/>
+            </a:pPr>
+            <a:r>
+              <a:rPr lang="en-US" dirty="0"/>
+              <a:t>Challenges</a:t>
+            </a:r>
+          </a:p>
+          <a:p>
+            <a:pPr>
+              <a:buFont typeface="Wingdings" panose="05000000000000000000" pitchFamily="2" charset="2"/>
+              <a:buChar char="§"/>
+            </a:pPr>
+            <a:endParaRPr lang="en-US" dirty="0"/>
           </a:p>
           <a:p>
             <a:pPr marL="857250" lvl="1" indent="-285750">
@@ -8683,7 +9277,48 @@
               <a:buFont typeface="Wingdings" panose="05000000000000000000" pitchFamily="2" charset="2"/>
               <a:buChar char="§"/>
             </a:pPr>
-            <a:endParaRPr dirty="0"/>
+            <a:r>
+              <a:rPr lang="en-US" dirty="0"/>
+              <a:t>API key limits</a:t>
+            </a:r>
+          </a:p>
+          <a:p>
+            <a:pPr marL="857250" lvl="1" indent="-285750">
+              <a:spcBef>
+                <a:spcPts val="0"/>
+              </a:spcBef>
+              <a:buSzPts val="1800"/>
+              <a:buFont typeface="Wingdings" panose="05000000000000000000" pitchFamily="2" charset="2"/>
+              <a:buChar char="§"/>
+            </a:pPr>
+            <a:r>
+              <a:rPr lang="en-US" dirty="0"/>
+              <a:t>API limitations of data</a:t>
+            </a:r>
+          </a:p>
+          <a:p>
+            <a:pPr marL="857250" lvl="1" indent="-285750">
+              <a:spcBef>
+                <a:spcPts val="0"/>
+              </a:spcBef>
+              <a:buSzPts val="1800"/>
+              <a:buFont typeface="Wingdings" panose="05000000000000000000" pitchFamily="2" charset="2"/>
+              <a:buChar char="§"/>
+            </a:pPr>
+            <a:r>
+              <a:rPr lang="en-US" dirty="0"/>
+              <a:t>Time constraint</a:t>
+            </a:r>
+          </a:p>
+          <a:p>
+            <a:pPr marL="571500" lvl="1" indent="0">
+              <a:spcBef>
+                <a:spcPts val="0"/>
+              </a:spcBef>
+              <a:buSzPts val="1800"/>
+              <a:buNone/>
+            </a:pPr>
+            <a:endParaRPr lang="en-US" dirty="0"/>
           </a:p>
           <a:p>
             <a:pPr>
@@ -8691,8 +9326,8 @@
               <a:buChar char="§"/>
             </a:pPr>
             <a:r>
-              <a:rPr lang="en" dirty="0"/>
-              <a:t>Challenges</a:t>
+              <a:rPr lang="en-US" dirty="0"/>
+              <a:t>Successes</a:t>
             </a:r>
           </a:p>
           <a:p>
@@ -8700,18 +9335,69 @@
               <a:buFont typeface="Wingdings" panose="05000000000000000000" pitchFamily="2" charset="2"/>
               <a:buChar char="§"/>
             </a:pPr>
-            <a:endParaRPr dirty="0"/>
-          </a:p>
-          <a:p>
-            <a:pPr>
+            <a:endParaRPr lang="en-US" dirty="0"/>
+          </a:p>
+          <a:p>
+            <a:pPr marL="857250" lvl="1" indent="-285750">
+              <a:spcBef>
+                <a:spcPts val="0"/>
+              </a:spcBef>
+              <a:buSzPts val="1800"/>
               <a:buFont typeface="Wingdings" panose="05000000000000000000" pitchFamily="2" charset="2"/>
               <a:buChar char="§"/>
             </a:pPr>
             <a:r>
-              <a:rPr lang="en" dirty="0"/>
-              <a:t>Successes</a:t>
-            </a:r>
-            <a:endParaRPr dirty="0"/>
+              <a:rPr lang="en-US" dirty="0"/>
+              <a:t>Team collaboration</a:t>
+            </a:r>
+          </a:p>
+          <a:p>
+            <a:pPr marL="857250" lvl="1" indent="-285750">
+              <a:spcBef>
+                <a:spcPts val="0"/>
+              </a:spcBef>
+              <a:buSzPts val="1800"/>
+              <a:buFont typeface="Wingdings" panose="05000000000000000000" pitchFamily="2" charset="2"/>
+              <a:buChar char="§"/>
+            </a:pPr>
+            <a:r>
+              <a:rPr lang="en-US" dirty="0"/>
+              <a:t>Website that functions</a:t>
+            </a:r>
+          </a:p>
+          <a:p>
+            <a:pPr marL="857250" lvl="1" indent="-285750">
+              <a:spcBef>
+                <a:spcPts val="0"/>
+              </a:spcBef>
+              <a:buSzPts val="1800"/>
+              <a:buFont typeface="Wingdings" panose="05000000000000000000" pitchFamily="2" charset="2"/>
+              <a:buChar char="§"/>
+            </a:pPr>
+            <a:r>
+              <a:rPr lang="en-US" dirty="0"/>
+              <a:t>Website esthetic</a:t>
+            </a:r>
+          </a:p>
+          <a:p>
+            <a:pPr marL="571500" lvl="1" indent="0">
+              <a:spcBef>
+                <a:spcPts val="0"/>
+              </a:spcBef>
+              <a:buSzPts val="1800"/>
+              <a:buNone/>
+            </a:pPr>
+            <a:endParaRPr lang="en-US" dirty="0"/>
+          </a:p>
+          <a:p>
+            <a:pPr marL="571500" lvl="1" indent="0">
+              <a:spcBef>
+                <a:spcPts val="0"/>
+              </a:spcBef>
+              <a:buSzPts val="1800"/>
+              <a:buNone/>
+            </a:pPr>
+            <a:endParaRPr lang="en" dirty="0"/>
           </a:p>
         </p:txBody>
       </p:sp>
@@ -8720,6 +9406,882 @@
   <p:clrMapOvr>
     <a:masterClrMapping/>
   </p:clrMapOvr>
+  <p:timing>
+    <p:tnLst>
+      <p:par>
+        <p:cTn id="1" dur="indefinite" restart="never" nodeType="tmRoot">
+          <p:childTnLst>
+            <p:seq concurrent="1" nextAc="seek">
+              <p:cTn id="2" dur="indefinite" nodeType="mainSeq">
+                <p:childTnLst>
+                  <p:par>
+                    <p:cTn id="3" fill="hold">
+                      <p:stCondLst>
+                        <p:cond delay="indefinite"/>
+                      </p:stCondLst>
+                      <p:childTnLst>
+                        <p:par>
+                          <p:cTn id="4" fill="hold">
+                            <p:stCondLst>
+                              <p:cond delay="0"/>
+                            </p:stCondLst>
+                            <p:childTnLst>
+                              <p:par>
+                                <p:cTn id="5" presetID="10" presetClass="entr" presetSubtype="0" fill="hold" nodeType="clickEffect">
+                                  <p:stCondLst>
+                                    <p:cond delay="0"/>
+                                  </p:stCondLst>
+                                  <p:childTnLst>
+                                    <p:set>
+                                      <p:cBhvr>
+                                        <p:cTn id="6" dur="1" fill="hold">
+                                          <p:stCondLst>
+                                            <p:cond delay="0"/>
+                                          </p:stCondLst>
+                                        </p:cTn>
+                                        <p:tgtEl>
+                                          <p:spTgt spid="72">
+                                            <p:txEl>
+                                              <p:pRg st="0" end="0"/>
+                                            </p:txEl>
+                                          </p:spTgt>
+                                        </p:tgtEl>
+                                        <p:attrNameLst>
+                                          <p:attrName>style.visibility</p:attrName>
+                                        </p:attrNameLst>
+                                      </p:cBhvr>
+                                      <p:to>
+                                        <p:strVal val="visible"/>
+                                      </p:to>
+                                    </p:set>
+                                    <p:animEffect transition="in" filter="fade">
+                                      <p:cBhvr>
+                                        <p:cTn id="7" dur="500"/>
+                                        <p:tgtEl>
+                                          <p:spTgt spid="72">
+                                            <p:txEl>
+                                              <p:pRg st="0" end="0"/>
+                                            </p:txEl>
+                                          </p:spTgt>
+                                        </p:tgtEl>
+                                      </p:cBhvr>
+                                    </p:animEffect>
+                                  </p:childTnLst>
+                                </p:cTn>
+                              </p:par>
+                              <p:par>
+                                <p:cTn id="8" presetID="10" presetClass="entr" presetSubtype="0" fill="hold" nodeType="withEffect">
+                                  <p:stCondLst>
+                                    <p:cond delay="0"/>
+                                  </p:stCondLst>
+                                  <p:childTnLst>
+                                    <p:set>
+                                      <p:cBhvr>
+                                        <p:cTn id="9" dur="1" fill="hold">
+                                          <p:stCondLst>
+                                            <p:cond delay="0"/>
+                                          </p:stCondLst>
+                                        </p:cTn>
+                                        <p:tgtEl>
+                                          <p:spTgt spid="72">
+                                            <p:txEl>
+                                              <p:pRg st="2" end="2"/>
+                                            </p:txEl>
+                                          </p:spTgt>
+                                        </p:tgtEl>
+                                        <p:attrNameLst>
+                                          <p:attrName>style.visibility</p:attrName>
+                                        </p:attrNameLst>
+                                      </p:cBhvr>
+                                      <p:to>
+                                        <p:strVal val="visible"/>
+                                      </p:to>
+                                    </p:set>
+                                    <p:animEffect transition="in" filter="fade">
+                                      <p:cBhvr>
+                                        <p:cTn id="10" dur="500"/>
+                                        <p:tgtEl>
+                                          <p:spTgt spid="72">
+                                            <p:txEl>
+                                              <p:pRg st="2" end="2"/>
+                                            </p:txEl>
+                                          </p:spTgt>
+                                        </p:tgtEl>
+                                      </p:cBhvr>
+                                    </p:animEffect>
+                                  </p:childTnLst>
+                                </p:cTn>
+                              </p:par>
+                              <p:par>
+                                <p:cTn id="11" presetID="10" presetClass="entr" presetSubtype="0" fill="hold" nodeType="withEffect">
+                                  <p:stCondLst>
+                                    <p:cond delay="0"/>
+                                  </p:stCondLst>
+                                  <p:childTnLst>
+                                    <p:set>
+                                      <p:cBhvr>
+                                        <p:cTn id="12" dur="1" fill="hold">
+                                          <p:stCondLst>
+                                            <p:cond delay="0"/>
+                                          </p:stCondLst>
+                                        </p:cTn>
+                                        <p:tgtEl>
+                                          <p:spTgt spid="72">
+                                            <p:txEl>
+                                              <p:pRg st="3" end="3"/>
+                                            </p:txEl>
+                                          </p:spTgt>
+                                        </p:tgtEl>
+                                        <p:attrNameLst>
+                                          <p:attrName>style.visibility</p:attrName>
+                                        </p:attrNameLst>
+                                      </p:cBhvr>
+                                      <p:to>
+                                        <p:strVal val="visible"/>
+                                      </p:to>
+                                    </p:set>
+                                    <p:animEffect transition="in" filter="fade">
+                                      <p:cBhvr>
+                                        <p:cTn id="13" dur="500"/>
+                                        <p:tgtEl>
+                                          <p:spTgt spid="72">
+                                            <p:txEl>
+                                              <p:pRg st="3" end="3"/>
+                                            </p:txEl>
+                                          </p:spTgt>
+                                        </p:tgtEl>
+                                      </p:cBhvr>
+                                    </p:animEffect>
+                                  </p:childTnLst>
+                                </p:cTn>
+                              </p:par>
+                              <p:par>
+                                <p:cTn id="14" presetID="10" presetClass="entr" presetSubtype="0" fill="hold" nodeType="withEffect">
+                                  <p:stCondLst>
+                                    <p:cond delay="0"/>
+                                  </p:stCondLst>
+                                  <p:childTnLst>
+                                    <p:set>
+                                      <p:cBhvr>
+                                        <p:cTn id="15" dur="1" fill="hold">
+                                          <p:stCondLst>
+                                            <p:cond delay="0"/>
+                                          </p:stCondLst>
+                                        </p:cTn>
+                                        <p:tgtEl>
+                                          <p:spTgt spid="72">
+                                            <p:txEl>
+                                              <p:pRg st="4" end="4"/>
+                                            </p:txEl>
+                                          </p:spTgt>
+                                        </p:tgtEl>
+                                        <p:attrNameLst>
+                                          <p:attrName>style.visibility</p:attrName>
+                                        </p:attrNameLst>
+                                      </p:cBhvr>
+                                      <p:to>
+                                        <p:strVal val="visible"/>
+                                      </p:to>
+                                    </p:set>
+                                    <p:animEffect transition="in" filter="fade">
+                                      <p:cBhvr>
+                                        <p:cTn id="16" dur="500"/>
+                                        <p:tgtEl>
+                                          <p:spTgt spid="72">
+                                            <p:txEl>
+                                              <p:pRg st="4" end="4"/>
+                                            </p:txEl>
+                                          </p:spTgt>
+                                        </p:tgtEl>
+                                      </p:cBhvr>
+                                    </p:animEffect>
+                                  </p:childTnLst>
+                                </p:cTn>
+                              </p:par>
+                              <p:par>
+                                <p:cTn id="17" presetID="10" presetClass="entr" presetSubtype="0" fill="hold" nodeType="withEffect">
+                                  <p:stCondLst>
+                                    <p:cond delay="0"/>
+                                  </p:stCondLst>
+                                  <p:childTnLst>
+                                    <p:set>
+                                      <p:cBhvr>
+                                        <p:cTn id="18" dur="1" fill="hold">
+                                          <p:stCondLst>
+                                            <p:cond delay="0"/>
+                                          </p:stCondLst>
+                                        </p:cTn>
+                                        <p:tgtEl>
+                                          <p:spTgt spid="72">
+                                            <p:txEl>
+                                              <p:pRg st="5" end="5"/>
+                                            </p:txEl>
+                                          </p:spTgt>
+                                        </p:tgtEl>
+                                        <p:attrNameLst>
+                                          <p:attrName>style.visibility</p:attrName>
+                                        </p:attrNameLst>
+                                      </p:cBhvr>
+                                      <p:to>
+                                        <p:strVal val="visible"/>
+                                      </p:to>
+                                    </p:set>
+                                    <p:animEffect transition="in" filter="fade">
+                                      <p:cBhvr>
+                                        <p:cTn id="19" dur="500"/>
+                                        <p:tgtEl>
+                                          <p:spTgt spid="72">
+                                            <p:txEl>
+                                              <p:pRg st="5" end="5"/>
+                                            </p:txEl>
+                                          </p:spTgt>
+                                        </p:tgtEl>
+                                      </p:cBhvr>
+                                    </p:animEffect>
+                                  </p:childTnLst>
+                                </p:cTn>
+                              </p:par>
+                            </p:childTnLst>
+                          </p:cTn>
+                        </p:par>
+                      </p:childTnLst>
+                    </p:cTn>
+                  </p:par>
+                  <p:par>
+                    <p:cTn id="20" fill="hold">
+                      <p:stCondLst>
+                        <p:cond delay="indefinite"/>
+                      </p:stCondLst>
+                      <p:childTnLst>
+                        <p:par>
+                          <p:cTn id="21" fill="hold">
+                            <p:stCondLst>
+                              <p:cond delay="0"/>
+                            </p:stCondLst>
+                            <p:childTnLst>
+                              <p:par>
+                                <p:cTn id="22" presetID="10" presetClass="entr" presetSubtype="0" fill="hold" nodeType="clickEffect">
+                                  <p:stCondLst>
+                                    <p:cond delay="0"/>
+                                  </p:stCondLst>
+                                  <p:childTnLst>
+                                    <p:set>
+                                      <p:cBhvr>
+                                        <p:cTn id="23" dur="1" fill="hold">
+                                          <p:stCondLst>
+                                            <p:cond delay="0"/>
+                                          </p:stCondLst>
+                                        </p:cTn>
+                                        <p:tgtEl>
+                                          <p:spTgt spid="72">
+                                            <p:txEl>
+                                              <p:pRg st="7" end="7"/>
+                                            </p:txEl>
+                                          </p:spTgt>
+                                        </p:tgtEl>
+                                        <p:attrNameLst>
+                                          <p:attrName>style.visibility</p:attrName>
+                                        </p:attrNameLst>
+                                      </p:cBhvr>
+                                      <p:to>
+                                        <p:strVal val="visible"/>
+                                      </p:to>
+                                    </p:set>
+                                    <p:animEffect transition="in" filter="fade">
+                                      <p:cBhvr>
+                                        <p:cTn id="24" dur="500"/>
+                                        <p:tgtEl>
+                                          <p:spTgt spid="72">
+                                            <p:txEl>
+                                              <p:pRg st="7" end="7"/>
+                                            </p:txEl>
+                                          </p:spTgt>
+                                        </p:tgtEl>
+                                      </p:cBhvr>
+                                    </p:animEffect>
+                                  </p:childTnLst>
+                                </p:cTn>
+                              </p:par>
+                              <p:par>
+                                <p:cTn id="25" presetID="10" presetClass="entr" presetSubtype="0" fill="hold" nodeType="withEffect">
+                                  <p:stCondLst>
+                                    <p:cond delay="0"/>
+                                  </p:stCondLst>
+                                  <p:childTnLst>
+                                    <p:set>
+                                      <p:cBhvr>
+                                        <p:cTn id="26" dur="1" fill="hold">
+                                          <p:stCondLst>
+                                            <p:cond delay="0"/>
+                                          </p:stCondLst>
+                                        </p:cTn>
+                                        <p:tgtEl>
+                                          <p:spTgt spid="72">
+                                            <p:txEl>
+                                              <p:pRg st="9" end="9"/>
+                                            </p:txEl>
+                                          </p:spTgt>
+                                        </p:tgtEl>
+                                        <p:attrNameLst>
+                                          <p:attrName>style.visibility</p:attrName>
+                                        </p:attrNameLst>
+                                      </p:cBhvr>
+                                      <p:to>
+                                        <p:strVal val="visible"/>
+                                      </p:to>
+                                    </p:set>
+                                    <p:animEffect transition="in" filter="fade">
+                                      <p:cBhvr>
+                                        <p:cTn id="27" dur="500"/>
+                                        <p:tgtEl>
+                                          <p:spTgt spid="72">
+                                            <p:txEl>
+                                              <p:pRg st="9" end="9"/>
+                                            </p:txEl>
+                                          </p:spTgt>
+                                        </p:tgtEl>
+                                      </p:cBhvr>
+                                    </p:animEffect>
+                                  </p:childTnLst>
+                                </p:cTn>
+                              </p:par>
+                              <p:par>
+                                <p:cTn id="28" presetID="10" presetClass="entr" presetSubtype="0" fill="hold" nodeType="withEffect">
+                                  <p:stCondLst>
+                                    <p:cond delay="0"/>
+                                  </p:stCondLst>
+                                  <p:childTnLst>
+                                    <p:set>
+                                      <p:cBhvr>
+                                        <p:cTn id="29" dur="1" fill="hold">
+                                          <p:stCondLst>
+                                            <p:cond delay="0"/>
+                                          </p:stCondLst>
+                                        </p:cTn>
+                                        <p:tgtEl>
+                                          <p:spTgt spid="72">
+                                            <p:txEl>
+                                              <p:pRg st="10" end="10"/>
+                                            </p:txEl>
+                                          </p:spTgt>
+                                        </p:tgtEl>
+                                        <p:attrNameLst>
+                                          <p:attrName>style.visibility</p:attrName>
+                                        </p:attrNameLst>
+                                      </p:cBhvr>
+                                      <p:to>
+                                        <p:strVal val="visible"/>
+                                      </p:to>
+                                    </p:set>
+                                    <p:animEffect transition="in" filter="fade">
+                                      <p:cBhvr>
+                                        <p:cTn id="30" dur="500"/>
+                                        <p:tgtEl>
+                                          <p:spTgt spid="72">
+                                            <p:txEl>
+                                              <p:pRg st="10" end="10"/>
+                                            </p:txEl>
+                                          </p:spTgt>
+                                        </p:tgtEl>
+                                      </p:cBhvr>
+                                    </p:animEffect>
+                                  </p:childTnLst>
+                                </p:cTn>
+                              </p:par>
+                              <p:par>
+                                <p:cTn id="31" presetID="10" presetClass="entr" presetSubtype="0" fill="hold" nodeType="withEffect">
+                                  <p:stCondLst>
+                                    <p:cond delay="0"/>
+                                  </p:stCondLst>
+                                  <p:childTnLst>
+                                    <p:set>
+                                      <p:cBhvr>
+                                        <p:cTn id="32" dur="1" fill="hold">
+                                          <p:stCondLst>
+                                            <p:cond delay="0"/>
+                                          </p:stCondLst>
+                                        </p:cTn>
+                                        <p:tgtEl>
+                                          <p:spTgt spid="72">
+                                            <p:txEl>
+                                              <p:pRg st="11" end="11"/>
+                                            </p:txEl>
+                                          </p:spTgt>
+                                        </p:tgtEl>
+                                        <p:attrNameLst>
+                                          <p:attrName>style.visibility</p:attrName>
+                                        </p:attrNameLst>
+                                      </p:cBhvr>
+                                      <p:to>
+                                        <p:strVal val="visible"/>
+                                      </p:to>
+                                    </p:set>
+                                    <p:animEffect transition="in" filter="fade">
+                                      <p:cBhvr>
+                                        <p:cTn id="33" dur="500"/>
+                                        <p:tgtEl>
+                                          <p:spTgt spid="72">
+                                            <p:txEl>
+                                              <p:pRg st="11" end="11"/>
+                                            </p:txEl>
+                                          </p:spTgt>
+                                        </p:tgtEl>
+                                      </p:cBhvr>
+                                    </p:animEffect>
+                                  </p:childTnLst>
+                                </p:cTn>
+                              </p:par>
+                              <p:par>
+                                <p:cTn id="34" presetID="10" presetClass="entr" presetSubtype="0" fill="hold" nodeType="withEffect">
+                                  <p:stCondLst>
+                                    <p:cond delay="0"/>
+                                  </p:stCondLst>
+                                  <p:childTnLst>
+                                    <p:set>
+                                      <p:cBhvr>
+                                        <p:cTn id="35" dur="1" fill="hold">
+                                          <p:stCondLst>
+                                            <p:cond delay="0"/>
+                                          </p:stCondLst>
+                                        </p:cTn>
+                                        <p:tgtEl>
+                                          <p:spTgt spid="72">
+                                            <p:txEl>
+                                              <p:pRg st="12" end="12"/>
+                                            </p:txEl>
+                                          </p:spTgt>
+                                        </p:tgtEl>
+                                        <p:attrNameLst>
+                                          <p:attrName>style.visibility</p:attrName>
+                                        </p:attrNameLst>
+                                      </p:cBhvr>
+                                      <p:to>
+                                        <p:strVal val="visible"/>
+                                      </p:to>
+                                    </p:set>
+                                    <p:animEffect transition="in" filter="fade">
+                                      <p:cBhvr>
+                                        <p:cTn id="36" dur="500"/>
+                                        <p:tgtEl>
+                                          <p:spTgt spid="72">
+                                            <p:txEl>
+                                              <p:pRg st="12" end="12"/>
+                                            </p:txEl>
+                                          </p:spTgt>
+                                        </p:tgtEl>
+                                      </p:cBhvr>
+                                    </p:animEffect>
+                                  </p:childTnLst>
+                                </p:cTn>
+                              </p:par>
+                            </p:childTnLst>
+                          </p:cTn>
+                        </p:par>
+                      </p:childTnLst>
+                    </p:cTn>
+                  </p:par>
+                  <p:par>
+                    <p:cTn id="37" fill="hold">
+                      <p:stCondLst>
+                        <p:cond delay="indefinite"/>
+                      </p:stCondLst>
+                      <p:childTnLst>
+                        <p:par>
+                          <p:cTn id="38" fill="hold">
+                            <p:stCondLst>
+                              <p:cond delay="0"/>
+                            </p:stCondLst>
+                            <p:childTnLst>
+                              <p:par>
+                                <p:cTn id="39" presetID="10" presetClass="entr" presetSubtype="0" fill="hold" nodeType="clickEffect">
+                                  <p:stCondLst>
+                                    <p:cond delay="0"/>
+                                  </p:stCondLst>
+                                  <p:childTnLst>
+                                    <p:set>
+                                      <p:cBhvr>
+                                        <p:cTn id="40" dur="1" fill="hold">
+                                          <p:stCondLst>
+                                            <p:cond delay="0"/>
+                                          </p:stCondLst>
+                                        </p:cTn>
+                                        <p:tgtEl>
+                                          <p:spTgt spid="72">
+                                            <p:txEl>
+                                              <p:pRg st="15" end="15"/>
+                                            </p:txEl>
+                                          </p:spTgt>
+                                        </p:tgtEl>
+                                        <p:attrNameLst>
+                                          <p:attrName>style.visibility</p:attrName>
+                                        </p:attrNameLst>
+                                      </p:cBhvr>
+                                      <p:to>
+                                        <p:strVal val="visible"/>
+                                      </p:to>
+                                    </p:set>
+                                    <p:animEffect transition="in" filter="fade">
+                                      <p:cBhvr>
+                                        <p:cTn id="41" dur="500"/>
+                                        <p:tgtEl>
+                                          <p:spTgt spid="72">
+                                            <p:txEl>
+                                              <p:pRg st="15" end="15"/>
+                                            </p:txEl>
+                                          </p:spTgt>
+                                        </p:tgtEl>
+                                      </p:cBhvr>
+                                    </p:animEffect>
+                                  </p:childTnLst>
+                                </p:cTn>
+                              </p:par>
+                              <p:par>
+                                <p:cTn id="42" presetID="10" presetClass="entr" presetSubtype="0" fill="hold" nodeType="withEffect">
+                                  <p:stCondLst>
+                                    <p:cond delay="0"/>
+                                  </p:stCondLst>
+                                  <p:childTnLst>
+                                    <p:set>
+                                      <p:cBhvr>
+                                        <p:cTn id="43" dur="1" fill="hold">
+                                          <p:stCondLst>
+                                            <p:cond delay="0"/>
+                                          </p:stCondLst>
+                                        </p:cTn>
+                                        <p:tgtEl>
+                                          <p:spTgt spid="72">
+                                            <p:txEl>
+                                              <p:pRg st="17" end="17"/>
+                                            </p:txEl>
+                                          </p:spTgt>
+                                        </p:tgtEl>
+                                        <p:attrNameLst>
+                                          <p:attrName>style.visibility</p:attrName>
+                                        </p:attrNameLst>
+                                      </p:cBhvr>
+                                      <p:to>
+                                        <p:strVal val="visible"/>
+                                      </p:to>
+                                    </p:set>
+                                    <p:animEffect transition="in" filter="fade">
+                                      <p:cBhvr>
+                                        <p:cTn id="44" dur="500"/>
+                                        <p:tgtEl>
+                                          <p:spTgt spid="72">
+                                            <p:txEl>
+                                              <p:pRg st="17" end="17"/>
+                                            </p:txEl>
+                                          </p:spTgt>
+                                        </p:tgtEl>
+                                      </p:cBhvr>
+                                    </p:animEffect>
+                                  </p:childTnLst>
+                                </p:cTn>
+                              </p:par>
+                              <p:par>
+                                <p:cTn id="45" presetID="10" presetClass="entr" presetSubtype="0" fill="hold" nodeType="withEffect">
+                                  <p:stCondLst>
+                                    <p:cond delay="0"/>
+                                  </p:stCondLst>
+                                  <p:childTnLst>
+                                    <p:set>
+                                      <p:cBhvr>
+                                        <p:cTn id="46" dur="1" fill="hold">
+                                          <p:stCondLst>
+                                            <p:cond delay="0"/>
+                                          </p:stCondLst>
+                                        </p:cTn>
+                                        <p:tgtEl>
+                                          <p:spTgt spid="72">
+                                            <p:txEl>
+                                              <p:pRg st="18" end="18"/>
+                                            </p:txEl>
+                                          </p:spTgt>
+                                        </p:tgtEl>
+                                        <p:attrNameLst>
+                                          <p:attrName>style.visibility</p:attrName>
+                                        </p:attrNameLst>
+                                      </p:cBhvr>
+                                      <p:to>
+                                        <p:strVal val="visible"/>
+                                      </p:to>
+                                    </p:set>
+                                    <p:animEffect transition="in" filter="fade">
+                                      <p:cBhvr>
+                                        <p:cTn id="47" dur="500"/>
+                                        <p:tgtEl>
+                                          <p:spTgt spid="72">
+                                            <p:txEl>
+                                              <p:pRg st="18" end="18"/>
+                                            </p:txEl>
+                                          </p:spTgt>
+                                        </p:tgtEl>
+                                      </p:cBhvr>
+                                    </p:animEffect>
+                                  </p:childTnLst>
+                                </p:cTn>
+                              </p:par>
+                              <p:par>
+                                <p:cTn id="48" presetID="10" presetClass="entr" presetSubtype="0" fill="hold" nodeType="withEffect">
+                                  <p:stCondLst>
+                                    <p:cond delay="0"/>
+                                  </p:stCondLst>
+                                  <p:childTnLst>
+                                    <p:set>
+                                      <p:cBhvr>
+                                        <p:cTn id="49" dur="1" fill="hold">
+                                          <p:stCondLst>
+                                            <p:cond delay="0"/>
+                                          </p:stCondLst>
+                                        </p:cTn>
+                                        <p:tgtEl>
+                                          <p:spTgt spid="72">
+                                            <p:txEl>
+                                              <p:pRg st="19" end="19"/>
+                                            </p:txEl>
+                                          </p:spTgt>
+                                        </p:tgtEl>
+                                        <p:attrNameLst>
+                                          <p:attrName>style.visibility</p:attrName>
+                                        </p:attrNameLst>
+                                      </p:cBhvr>
+                                      <p:to>
+                                        <p:strVal val="visible"/>
+                                      </p:to>
+                                    </p:set>
+                                    <p:animEffect transition="in" filter="fade">
+                                      <p:cBhvr>
+                                        <p:cTn id="50" dur="500"/>
+                                        <p:tgtEl>
+                                          <p:spTgt spid="72">
+                                            <p:txEl>
+                                              <p:pRg st="19" end="19"/>
+                                            </p:txEl>
+                                          </p:spTgt>
+                                        </p:tgtEl>
+                                      </p:cBhvr>
+                                    </p:animEffect>
+                                  </p:childTnLst>
+                                </p:cTn>
+                              </p:par>
+                            </p:childTnLst>
+                          </p:cTn>
+                        </p:par>
+                      </p:childTnLst>
+                    </p:cTn>
+                  </p:par>
+                  <p:par>
+                    <p:cTn id="51" fill="hold">
+                      <p:stCondLst>
+                        <p:cond delay="indefinite"/>
+                      </p:stCondLst>
+                      <p:childTnLst>
+                        <p:par>
+                          <p:cTn id="52" fill="hold">
+                            <p:stCondLst>
+                              <p:cond delay="0"/>
+                            </p:stCondLst>
+                            <p:childTnLst>
+                              <p:par>
+                                <p:cTn id="53" presetID="10" presetClass="entr" presetSubtype="0" fill="hold" nodeType="clickEffect">
+                                  <p:stCondLst>
+                                    <p:cond delay="0"/>
+                                  </p:stCondLst>
+                                  <p:childTnLst>
+                                    <p:set>
+                                      <p:cBhvr>
+                                        <p:cTn id="54" dur="1" fill="hold">
+                                          <p:stCondLst>
+                                            <p:cond delay="0"/>
+                                          </p:stCondLst>
+                                        </p:cTn>
+                                        <p:tgtEl>
+                                          <p:spTgt spid="72">
+                                            <p:txEl>
+                                              <p:pRg st="21" end="21"/>
+                                            </p:txEl>
+                                          </p:spTgt>
+                                        </p:tgtEl>
+                                        <p:attrNameLst>
+                                          <p:attrName>style.visibility</p:attrName>
+                                        </p:attrNameLst>
+                                      </p:cBhvr>
+                                      <p:to>
+                                        <p:strVal val="visible"/>
+                                      </p:to>
+                                    </p:set>
+                                    <p:animEffect transition="in" filter="fade">
+                                      <p:cBhvr>
+                                        <p:cTn id="55" dur="500"/>
+                                        <p:tgtEl>
+                                          <p:spTgt spid="72">
+                                            <p:txEl>
+                                              <p:pRg st="21" end="21"/>
+                                            </p:txEl>
+                                          </p:spTgt>
+                                        </p:tgtEl>
+                                      </p:cBhvr>
+                                    </p:animEffect>
+                                  </p:childTnLst>
+                                </p:cTn>
+                              </p:par>
+                              <p:par>
+                                <p:cTn id="56" presetID="10" presetClass="entr" presetSubtype="0" fill="hold" nodeType="withEffect">
+                                  <p:stCondLst>
+                                    <p:cond delay="0"/>
+                                  </p:stCondLst>
+                                  <p:childTnLst>
+                                    <p:set>
+                                      <p:cBhvr>
+                                        <p:cTn id="57" dur="1" fill="hold">
+                                          <p:stCondLst>
+                                            <p:cond delay="0"/>
+                                          </p:stCondLst>
+                                        </p:cTn>
+                                        <p:tgtEl>
+                                          <p:spTgt spid="72">
+                                            <p:txEl>
+                                              <p:pRg st="23" end="23"/>
+                                            </p:txEl>
+                                          </p:spTgt>
+                                        </p:tgtEl>
+                                        <p:attrNameLst>
+                                          <p:attrName>style.visibility</p:attrName>
+                                        </p:attrNameLst>
+                                      </p:cBhvr>
+                                      <p:to>
+                                        <p:strVal val="visible"/>
+                                      </p:to>
+                                    </p:set>
+                                    <p:animEffect transition="in" filter="fade">
+                                      <p:cBhvr>
+                                        <p:cTn id="58" dur="500"/>
+                                        <p:tgtEl>
+                                          <p:spTgt spid="72">
+                                            <p:txEl>
+                                              <p:pRg st="23" end="23"/>
+                                            </p:txEl>
+                                          </p:spTgt>
+                                        </p:tgtEl>
+                                      </p:cBhvr>
+                                    </p:animEffect>
+                                  </p:childTnLst>
+                                </p:cTn>
+                              </p:par>
+                              <p:par>
+                                <p:cTn id="59" presetID="10" presetClass="entr" presetSubtype="0" fill="hold" nodeType="withEffect">
+                                  <p:stCondLst>
+                                    <p:cond delay="0"/>
+                                  </p:stCondLst>
+                                  <p:childTnLst>
+                                    <p:set>
+                                      <p:cBhvr>
+                                        <p:cTn id="60" dur="1" fill="hold">
+                                          <p:stCondLst>
+                                            <p:cond delay="0"/>
+                                          </p:stCondLst>
+                                        </p:cTn>
+                                        <p:tgtEl>
+                                          <p:spTgt spid="72">
+                                            <p:txEl>
+                                              <p:pRg st="24" end="24"/>
+                                            </p:txEl>
+                                          </p:spTgt>
+                                        </p:tgtEl>
+                                        <p:attrNameLst>
+                                          <p:attrName>style.visibility</p:attrName>
+                                        </p:attrNameLst>
+                                      </p:cBhvr>
+                                      <p:to>
+                                        <p:strVal val="visible"/>
+                                      </p:to>
+                                    </p:set>
+                                    <p:animEffect transition="in" filter="fade">
+                                      <p:cBhvr>
+                                        <p:cTn id="61" dur="500"/>
+                                        <p:tgtEl>
+                                          <p:spTgt spid="72">
+                                            <p:txEl>
+                                              <p:pRg st="24" end="24"/>
+                                            </p:txEl>
+                                          </p:spTgt>
+                                        </p:tgtEl>
+                                      </p:cBhvr>
+                                    </p:animEffect>
+                                  </p:childTnLst>
+                                </p:cTn>
+                              </p:par>
+                              <p:par>
+                                <p:cTn id="62" presetID="10" presetClass="entr" presetSubtype="0" fill="hold" nodeType="withEffect">
+                                  <p:stCondLst>
+                                    <p:cond delay="0"/>
+                                  </p:stCondLst>
+                                  <p:childTnLst>
+                                    <p:set>
+                                      <p:cBhvr>
+                                        <p:cTn id="63" dur="1" fill="hold">
+                                          <p:stCondLst>
+                                            <p:cond delay="0"/>
+                                          </p:stCondLst>
+                                        </p:cTn>
+                                        <p:tgtEl>
+                                          <p:spTgt spid="72">
+                                            <p:txEl>
+                                              <p:pRg st="25" end="25"/>
+                                            </p:txEl>
+                                          </p:spTgt>
+                                        </p:tgtEl>
+                                        <p:attrNameLst>
+                                          <p:attrName>style.visibility</p:attrName>
+                                        </p:attrNameLst>
+                                      </p:cBhvr>
+                                      <p:to>
+                                        <p:strVal val="visible"/>
+                                      </p:to>
+                                    </p:set>
+                                    <p:animEffect transition="in" filter="fade">
+                                      <p:cBhvr>
+                                        <p:cTn id="64" dur="500"/>
+                                        <p:tgtEl>
+                                          <p:spTgt spid="72">
+                                            <p:txEl>
+                                              <p:pRg st="25" end="25"/>
+                                            </p:txEl>
+                                          </p:spTgt>
+                                        </p:tgtEl>
+                                      </p:cBhvr>
+                                    </p:animEffect>
+                                  </p:childTnLst>
+                                </p:cTn>
+                              </p:par>
+                            </p:childTnLst>
+                          </p:cTn>
+                        </p:par>
+                      </p:childTnLst>
+                    </p:cTn>
+                  </p:par>
+                </p:childTnLst>
+              </p:cTn>
+              <p:prevCondLst>
+                <p:cond evt="onPrev" delay="0">
+                  <p:tgtEl>
+                    <p:sldTgt/>
+                  </p:tgtEl>
+                </p:cond>
+              </p:prevCondLst>
+              <p:nextCondLst>
+                <p:cond evt="onNext" delay="0">
+                  <p:tgtEl>
+                    <p:sldTgt/>
+                  </p:tgtEl>
+                </p:cond>
+              </p:nextCondLst>
+            </p:seq>
+          </p:childTnLst>
+        </p:cTn>
+      </p:par>
+    </p:tnLst>
+  </p:timing>
 </p:sld>
 </file>
 
@@ -8771,10 +10333,10 @@
               <a:buNone/>
             </a:pPr>
             <a:r>
-              <a:rPr lang="en"/>
+              <a:rPr lang="en" dirty="0"/>
               <a:t>Demo</a:t>
             </a:r>
-            <a:endParaRPr/>
+            <a:endParaRPr dirty="0"/>
           </a:p>
         </p:txBody>
       </p:sp>
@@ -8783,6 +10345,84 @@
   <p:clrMapOvr>
     <a:masterClrMapping/>
   </p:clrMapOvr>
+  <p:timing>
+    <p:tnLst>
+      <p:par>
+        <p:cTn id="1" dur="indefinite" restart="never" nodeType="tmRoot">
+          <p:childTnLst>
+            <p:seq concurrent="1" nextAc="seek">
+              <p:cTn id="2" dur="indefinite" nodeType="mainSeq">
+                <p:childTnLst>
+                  <p:par>
+                    <p:cTn id="3" fill="hold">
+                      <p:stCondLst>
+                        <p:cond delay="indefinite"/>
+                      </p:stCondLst>
+                      <p:childTnLst>
+                        <p:par>
+                          <p:cTn id="4" fill="hold">
+                            <p:stCondLst>
+                              <p:cond delay="0"/>
+                            </p:stCondLst>
+                            <p:childTnLst>
+                              <p:par>
+                                <p:cTn id="5" presetID="1" presetClass="entr" presetSubtype="0" fill="hold" grpId="0" nodeType="clickEffect">
+                                  <p:stCondLst>
+                                    <p:cond delay="0"/>
+                                  </p:stCondLst>
+                                  <p:childTnLst>
+                                    <p:set>
+                                      <p:cBhvr>
+                                        <p:cTn id="6" dur="1" fill="hold">
+                                          <p:stCondLst>
+                                            <p:cond delay="0"/>
+                                          </p:stCondLst>
+                                        </p:cTn>
+                                        <p:tgtEl>
+                                          <p:spTgt spid="77"/>
+                                        </p:tgtEl>
+                                        <p:attrNameLst>
+                                          <p:attrName>style.visibility</p:attrName>
+                                        </p:attrNameLst>
+                                      </p:cBhvr>
+                                      <p:to>
+                                        <p:strVal val="visible"/>
+                                      </p:to>
+                                    </p:set>
+                                  </p:childTnLst>
+                                </p:cTn>
+                              </p:par>
+                            </p:childTnLst>
+                          </p:cTn>
+                        </p:par>
+                      </p:childTnLst>
+                    </p:cTn>
+                  </p:par>
+                </p:childTnLst>
+              </p:cTn>
+              <p:prevCondLst>
+                <p:cond evt="onPrev" delay="0">
+                  <p:tgtEl>
+                    <p:sldTgt/>
+                  </p:tgtEl>
+                </p:cond>
+              </p:prevCondLst>
+              <p:nextCondLst>
+                <p:cond evt="onNext" delay="0">
+                  <p:tgtEl>
+                    <p:sldTgt/>
+                  </p:tgtEl>
+                </p:cond>
+              </p:nextCondLst>
+            </p:seq>
+          </p:childTnLst>
+        </p:cTn>
+      </p:par>
+    </p:tnLst>
+    <p:bldLst>
+      <p:bldP spid="77" grpId="0"/>
+    </p:bldLst>
+  </p:timing>
 </p:sld>
 </file>
 
@@ -8871,7 +10511,7 @@
             </a:pPr>
             <a:r>
               <a:rPr lang="en-US" dirty="0"/>
-              <a:t>Add another API to explain search option</a:t>
+              <a:t>Add another API to expand search options (i.e. proteins, veggies, starches)</a:t>
             </a:r>
           </a:p>
           <a:p>
@@ -8882,7 +10522,102 @@
               <a:buFont typeface="Wingdings" panose="05000000000000000000" pitchFamily="2" charset="2"/>
               <a:buChar char="§"/>
             </a:pPr>
-            <a:endParaRPr dirty="0"/>
+            <a:r>
+              <a:rPr lang="en-US" dirty="0"/>
+              <a:t>Add another API generate recipes for food preferences (i.e. keto, paleo, gluten free, etc.)</a:t>
+            </a:r>
+          </a:p>
+          <a:p>
+            <a:pPr marL="285750" indent="-285750">
+              <a:spcAft>
+                <a:spcPts val="1600"/>
+              </a:spcAft>
+              <a:buFont typeface="Wingdings" panose="05000000000000000000" pitchFamily="2" charset="2"/>
+              <a:buChar char="§"/>
+            </a:pPr>
+            <a:r>
+              <a:rPr lang="en-US" dirty="0"/>
+              <a:t>Options to sort recipes by price, best reviews, popularity, etc.</a:t>
+            </a:r>
+          </a:p>
+          <a:p>
+            <a:pPr marL="285750" indent="-285750">
+              <a:spcAft>
+                <a:spcPts val="1600"/>
+              </a:spcAft>
+              <a:buFont typeface="Wingdings" panose="05000000000000000000" pitchFamily="2" charset="2"/>
+              <a:buChar char="§"/>
+            </a:pPr>
+            <a:r>
+              <a:rPr lang="en-US" dirty="0"/>
+              <a:t>Improve site lay out and add additional </a:t>
+            </a:r>
+            <a:r>
+              <a:rPr lang="en-US" dirty="0" err="1"/>
+              <a:t>Bulma</a:t>
+            </a:r>
+            <a:r>
+              <a:rPr lang="en-US" dirty="0"/>
+              <a:t> to buttons</a:t>
+            </a:r>
+          </a:p>
+          <a:p>
+            <a:pPr marL="285750" indent="-285750">
+              <a:spcAft>
+                <a:spcPts val="1600"/>
+              </a:spcAft>
+              <a:buFont typeface="Wingdings" panose="05000000000000000000" pitchFamily="2" charset="2"/>
+              <a:buChar char="§"/>
+            </a:pPr>
+            <a:r>
+              <a:rPr lang="en-US" dirty="0"/>
+              <a:t>Make the recipe image the hyperlink to the recipe</a:t>
+            </a:r>
+          </a:p>
+          <a:p>
+            <a:pPr marL="285750" indent="-285750">
+              <a:spcAft>
+                <a:spcPts val="1600"/>
+              </a:spcAft>
+              <a:buFont typeface="Wingdings" panose="05000000000000000000" pitchFamily="2" charset="2"/>
+              <a:buChar char="§"/>
+            </a:pPr>
+            <a:r>
+              <a:rPr lang="en-US" dirty="0"/>
+              <a:t>Implement more functionality to meet client budget needs (i.e. modifying budget based on client need)</a:t>
+            </a:r>
+          </a:p>
+          <a:p>
+            <a:pPr marL="285750" indent="-285750">
+              <a:spcAft>
+                <a:spcPts val="1600"/>
+              </a:spcAft>
+              <a:buFont typeface="Wingdings" panose="05000000000000000000" pitchFamily="2" charset="2"/>
+              <a:buChar char="§"/>
+            </a:pPr>
+            <a:r>
+              <a:rPr lang="en-US" dirty="0"/>
+              <a:t>Place advertising on the site</a:t>
+            </a:r>
+          </a:p>
+          <a:p>
+            <a:pPr marL="285750" indent="-285750">
+              <a:spcAft>
+                <a:spcPts val="1600"/>
+              </a:spcAft>
+              <a:buFont typeface="Wingdings" panose="05000000000000000000" pitchFamily="2" charset="2"/>
+              <a:buChar char="§"/>
+            </a:pPr>
+            <a:endParaRPr lang="en-US" dirty="0"/>
+          </a:p>
+          <a:p>
+            <a:pPr marL="0" indent="0">
+              <a:spcAft>
+                <a:spcPts val="1600"/>
+              </a:spcAft>
+              <a:buNone/>
+            </a:pPr>
+            <a:endParaRPr lang="en-US" dirty="0"/>
           </a:p>
         </p:txBody>
       </p:sp>
@@ -8891,6 +10626,463 @@
   <p:clrMapOvr>
     <a:masterClrMapping/>
   </p:clrMapOvr>
+  <p:timing>
+    <p:tnLst>
+      <p:par>
+        <p:cTn id="1" dur="indefinite" restart="never" nodeType="tmRoot">
+          <p:childTnLst>
+            <p:seq concurrent="1" nextAc="seek">
+              <p:cTn id="2" dur="indefinite" nodeType="mainSeq">
+                <p:childTnLst>
+                  <p:par>
+                    <p:cTn id="3" fill="hold">
+                      <p:stCondLst>
+                        <p:cond delay="indefinite"/>
+                      </p:stCondLst>
+                      <p:childTnLst>
+                        <p:par>
+                          <p:cTn id="4" fill="hold">
+                            <p:stCondLst>
+                              <p:cond delay="0"/>
+                            </p:stCondLst>
+                            <p:childTnLst>
+                              <p:par>
+                                <p:cTn id="5" presetID="10" presetClass="entr" presetSubtype="0" fill="hold" nodeType="clickEffect">
+                                  <p:stCondLst>
+                                    <p:cond delay="0"/>
+                                  </p:stCondLst>
+                                  <p:childTnLst>
+                                    <p:set>
+                                      <p:cBhvr>
+                                        <p:cTn id="6" dur="1" fill="hold">
+                                          <p:stCondLst>
+                                            <p:cond delay="0"/>
+                                          </p:stCondLst>
+                                        </p:cTn>
+                                        <p:tgtEl>
+                                          <p:spTgt spid="83">
+                                            <p:txEl>
+                                              <p:pRg st="0" end="0"/>
+                                            </p:txEl>
+                                          </p:spTgt>
+                                        </p:tgtEl>
+                                        <p:attrNameLst>
+                                          <p:attrName>style.visibility</p:attrName>
+                                        </p:attrNameLst>
+                                      </p:cBhvr>
+                                      <p:to>
+                                        <p:strVal val="visible"/>
+                                      </p:to>
+                                    </p:set>
+                                    <p:animEffect transition="in" filter="fade">
+                                      <p:cBhvr>
+                                        <p:cTn id="7" dur="500"/>
+                                        <p:tgtEl>
+                                          <p:spTgt spid="83">
+                                            <p:txEl>
+                                              <p:pRg st="0" end="0"/>
+                                            </p:txEl>
+                                          </p:spTgt>
+                                        </p:tgtEl>
+                                      </p:cBhvr>
+                                    </p:animEffect>
+                                  </p:childTnLst>
+                                </p:cTn>
+                              </p:par>
+                            </p:childTnLst>
+                          </p:cTn>
+                        </p:par>
+                      </p:childTnLst>
+                    </p:cTn>
+                  </p:par>
+                  <p:par>
+                    <p:cTn id="8" fill="hold">
+                      <p:stCondLst>
+                        <p:cond delay="indefinite"/>
+                      </p:stCondLst>
+                      <p:childTnLst>
+                        <p:par>
+                          <p:cTn id="9" fill="hold">
+                            <p:stCondLst>
+                              <p:cond delay="0"/>
+                            </p:stCondLst>
+                            <p:childTnLst>
+                              <p:par>
+                                <p:cTn id="10" presetID="10" presetClass="entr" presetSubtype="0" fill="hold" nodeType="clickEffect">
+                                  <p:stCondLst>
+                                    <p:cond delay="0"/>
+                                  </p:stCondLst>
+                                  <p:childTnLst>
+                                    <p:set>
+                                      <p:cBhvr>
+                                        <p:cTn id="11" dur="1" fill="hold">
+                                          <p:stCondLst>
+                                            <p:cond delay="0"/>
+                                          </p:stCondLst>
+                                        </p:cTn>
+                                        <p:tgtEl>
+                                          <p:spTgt spid="83">
+                                            <p:txEl>
+                                              <p:pRg st="1" end="1"/>
+                                            </p:txEl>
+                                          </p:spTgt>
+                                        </p:tgtEl>
+                                        <p:attrNameLst>
+                                          <p:attrName>style.visibility</p:attrName>
+                                        </p:attrNameLst>
+                                      </p:cBhvr>
+                                      <p:to>
+                                        <p:strVal val="visible"/>
+                                      </p:to>
+                                    </p:set>
+                                    <p:animEffect transition="in" filter="fade">
+                                      <p:cBhvr>
+                                        <p:cTn id="12" dur="500"/>
+                                        <p:tgtEl>
+                                          <p:spTgt spid="83">
+                                            <p:txEl>
+                                              <p:pRg st="1" end="1"/>
+                                            </p:txEl>
+                                          </p:spTgt>
+                                        </p:tgtEl>
+                                      </p:cBhvr>
+                                    </p:animEffect>
+                                  </p:childTnLst>
+                                </p:cTn>
+                              </p:par>
+                            </p:childTnLst>
+                          </p:cTn>
+                        </p:par>
+                      </p:childTnLst>
+                    </p:cTn>
+                  </p:par>
+                  <p:par>
+                    <p:cTn id="13" fill="hold">
+                      <p:stCondLst>
+                        <p:cond delay="indefinite"/>
+                      </p:stCondLst>
+                      <p:childTnLst>
+                        <p:par>
+                          <p:cTn id="14" fill="hold">
+                            <p:stCondLst>
+                              <p:cond delay="0"/>
+                            </p:stCondLst>
+                            <p:childTnLst>
+                              <p:par>
+                                <p:cTn id="15" presetID="10" presetClass="entr" presetSubtype="0" fill="hold" nodeType="clickEffect">
+                                  <p:stCondLst>
+                                    <p:cond delay="0"/>
+                                  </p:stCondLst>
+                                  <p:childTnLst>
+                                    <p:set>
+                                      <p:cBhvr>
+                                        <p:cTn id="16" dur="1" fill="hold">
+                                          <p:stCondLst>
+                                            <p:cond delay="0"/>
+                                          </p:stCondLst>
+                                        </p:cTn>
+                                        <p:tgtEl>
+                                          <p:spTgt spid="83">
+                                            <p:txEl>
+                                              <p:pRg st="2" end="2"/>
+                                            </p:txEl>
+                                          </p:spTgt>
+                                        </p:tgtEl>
+                                        <p:attrNameLst>
+                                          <p:attrName>style.visibility</p:attrName>
+                                        </p:attrNameLst>
+                                      </p:cBhvr>
+                                      <p:to>
+                                        <p:strVal val="visible"/>
+                                      </p:to>
+                                    </p:set>
+                                    <p:animEffect transition="in" filter="fade">
+                                      <p:cBhvr>
+                                        <p:cTn id="17" dur="500"/>
+                                        <p:tgtEl>
+                                          <p:spTgt spid="83">
+                                            <p:txEl>
+                                              <p:pRg st="2" end="2"/>
+                                            </p:txEl>
+                                          </p:spTgt>
+                                        </p:tgtEl>
+                                      </p:cBhvr>
+                                    </p:animEffect>
+                                  </p:childTnLst>
+                                </p:cTn>
+                              </p:par>
+                            </p:childTnLst>
+                          </p:cTn>
+                        </p:par>
+                      </p:childTnLst>
+                    </p:cTn>
+                  </p:par>
+                  <p:par>
+                    <p:cTn id="18" fill="hold">
+                      <p:stCondLst>
+                        <p:cond delay="indefinite"/>
+                      </p:stCondLst>
+                      <p:childTnLst>
+                        <p:par>
+                          <p:cTn id="19" fill="hold">
+                            <p:stCondLst>
+                              <p:cond delay="0"/>
+                            </p:stCondLst>
+                            <p:childTnLst>
+                              <p:par>
+                                <p:cTn id="20" presetID="10" presetClass="entr" presetSubtype="0" fill="hold" nodeType="clickEffect">
+                                  <p:stCondLst>
+                                    <p:cond delay="0"/>
+                                  </p:stCondLst>
+                                  <p:childTnLst>
+                                    <p:set>
+                                      <p:cBhvr>
+                                        <p:cTn id="21" dur="1" fill="hold">
+                                          <p:stCondLst>
+                                            <p:cond delay="0"/>
+                                          </p:stCondLst>
+                                        </p:cTn>
+                                        <p:tgtEl>
+                                          <p:spTgt spid="83">
+                                            <p:txEl>
+                                              <p:pRg st="3" end="3"/>
+                                            </p:txEl>
+                                          </p:spTgt>
+                                        </p:tgtEl>
+                                        <p:attrNameLst>
+                                          <p:attrName>style.visibility</p:attrName>
+                                        </p:attrNameLst>
+                                      </p:cBhvr>
+                                      <p:to>
+                                        <p:strVal val="visible"/>
+                                      </p:to>
+                                    </p:set>
+                                    <p:animEffect transition="in" filter="fade">
+                                      <p:cBhvr>
+                                        <p:cTn id="22" dur="500"/>
+                                        <p:tgtEl>
+                                          <p:spTgt spid="83">
+                                            <p:txEl>
+                                              <p:pRg st="3" end="3"/>
+                                            </p:txEl>
+                                          </p:spTgt>
+                                        </p:tgtEl>
+                                      </p:cBhvr>
+                                    </p:animEffect>
+                                  </p:childTnLst>
+                                </p:cTn>
+                              </p:par>
+                            </p:childTnLst>
+                          </p:cTn>
+                        </p:par>
+                      </p:childTnLst>
+                    </p:cTn>
+                  </p:par>
+                  <p:par>
+                    <p:cTn id="23" fill="hold">
+                      <p:stCondLst>
+                        <p:cond delay="indefinite"/>
+                      </p:stCondLst>
+                      <p:childTnLst>
+                        <p:par>
+                          <p:cTn id="24" fill="hold">
+                            <p:stCondLst>
+                              <p:cond delay="0"/>
+                            </p:stCondLst>
+                            <p:childTnLst>
+                              <p:par>
+                                <p:cTn id="25" presetID="10" presetClass="entr" presetSubtype="0" fill="hold" nodeType="clickEffect">
+                                  <p:stCondLst>
+                                    <p:cond delay="0"/>
+                                  </p:stCondLst>
+                                  <p:childTnLst>
+                                    <p:set>
+                                      <p:cBhvr>
+                                        <p:cTn id="26" dur="1" fill="hold">
+                                          <p:stCondLst>
+                                            <p:cond delay="0"/>
+                                          </p:stCondLst>
+                                        </p:cTn>
+                                        <p:tgtEl>
+                                          <p:spTgt spid="83">
+                                            <p:txEl>
+                                              <p:pRg st="4" end="4"/>
+                                            </p:txEl>
+                                          </p:spTgt>
+                                        </p:tgtEl>
+                                        <p:attrNameLst>
+                                          <p:attrName>style.visibility</p:attrName>
+                                        </p:attrNameLst>
+                                      </p:cBhvr>
+                                      <p:to>
+                                        <p:strVal val="visible"/>
+                                      </p:to>
+                                    </p:set>
+                                    <p:animEffect transition="in" filter="fade">
+                                      <p:cBhvr>
+                                        <p:cTn id="27" dur="500"/>
+                                        <p:tgtEl>
+                                          <p:spTgt spid="83">
+                                            <p:txEl>
+                                              <p:pRg st="4" end="4"/>
+                                            </p:txEl>
+                                          </p:spTgt>
+                                        </p:tgtEl>
+                                      </p:cBhvr>
+                                    </p:animEffect>
+                                  </p:childTnLst>
+                                </p:cTn>
+                              </p:par>
+                            </p:childTnLst>
+                          </p:cTn>
+                        </p:par>
+                      </p:childTnLst>
+                    </p:cTn>
+                  </p:par>
+                  <p:par>
+                    <p:cTn id="28" fill="hold">
+                      <p:stCondLst>
+                        <p:cond delay="indefinite"/>
+                      </p:stCondLst>
+                      <p:childTnLst>
+                        <p:par>
+                          <p:cTn id="29" fill="hold">
+                            <p:stCondLst>
+                              <p:cond delay="0"/>
+                            </p:stCondLst>
+                            <p:childTnLst>
+                              <p:par>
+                                <p:cTn id="30" presetID="10" presetClass="entr" presetSubtype="0" fill="hold" nodeType="clickEffect">
+                                  <p:stCondLst>
+                                    <p:cond delay="0"/>
+                                  </p:stCondLst>
+                                  <p:childTnLst>
+                                    <p:set>
+                                      <p:cBhvr>
+                                        <p:cTn id="31" dur="1" fill="hold">
+                                          <p:stCondLst>
+                                            <p:cond delay="0"/>
+                                          </p:stCondLst>
+                                        </p:cTn>
+                                        <p:tgtEl>
+                                          <p:spTgt spid="83">
+                                            <p:txEl>
+                                              <p:pRg st="5" end="5"/>
+                                            </p:txEl>
+                                          </p:spTgt>
+                                        </p:tgtEl>
+                                        <p:attrNameLst>
+                                          <p:attrName>style.visibility</p:attrName>
+                                        </p:attrNameLst>
+                                      </p:cBhvr>
+                                      <p:to>
+                                        <p:strVal val="visible"/>
+                                      </p:to>
+                                    </p:set>
+                                    <p:animEffect transition="in" filter="fade">
+                                      <p:cBhvr>
+                                        <p:cTn id="32" dur="500"/>
+                                        <p:tgtEl>
+                                          <p:spTgt spid="83">
+                                            <p:txEl>
+                                              <p:pRg st="5" end="5"/>
+                                            </p:txEl>
+                                          </p:spTgt>
+                                        </p:tgtEl>
+                                      </p:cBhvr>
+                                    </p:animEffect>
+                                  </p:childTnLst>
+                                </p:cTn>
+                              </p:par>
+                            </p:childTnLst>
+                          </p:cTn>
+                        </p:par>
+                      </p:childTnLst>
+                    </p:cTn>
+                  </p:par>
+                  <p:par>
+                    <p:cTn id="33" fill="hold">
+                      <p:stCondLst>
+                        <p:cond delay="indefinite"/>
+                      </p:stCondLst>
+                      <p:childTnLst>
+                        <p:par>
+                          <p:cTn id="34" fill="hold">
+                            <p:stCondLst>
+                              <p:cond delay="0"/>
+                            </p:stCondLst>
+                            <p:childTnLst>
+                              <p:par>
+                                <p:cTn id="35" presetID="10" presetClass="entr" presetSubtype="0" fill="hold" nodeType="clickEffect">
+                                  <p:stCondLst>
+                                    <p:cond delay="0"/>
+                                  </p:stCondLst>
+                                  <p:childTnLst>
+                                    <p:set>
+                                      <p:cBhvr>
+                                        <p:cTn id="36" dur="1" fill="hold">
+                                          <p:stCondLst>
+                                            <p:cond delay="0"/>
+                                          </p:stCondLst>
+                                        </p:cTn>
+                                        <p:tgtEl>
+                                          <p:spTgt spid="83">
+                                            <p:txEl>
+                                              <p:pRg st="6" end="6"/>
+                                            </p:txEl>
+                                          </p:spTgt>
+                                        </p:tgtEl>
+                                        <p:attrNameLst>
+                                          <p:attrName>style.visibility</p:attrName>
+                                        </p:attrNameLst>
+                                      </p:cBhvr>
+                                      <p:to>
+                                        <p:strVal val="visible"/>
+                                      </p:to>
+                                    </p:set>
+                                    <p:animEffect transition="in" filter="fade">
+                                      <p:cBhvr>
+                                        <p:cTn id="37" dur="500"/>
+                                        <p:tgtEl>
+                                          <p:spTgt spid="83">
+                                            <p:txEl>
+                                              <p:pRg st="6" end="6"/>
+                                            </p:txEl>
+                                          </p:spTgt>
+                                        </p:tgtEl>
+                                      </p:cBhvr>
+                                    </p:animEffect>
+                                  </p:childTnLst>
+                                </p:cTn>
+                              </p:par>
+                            </p:childTnLst>
+                          </p:cTn>
+                        </p:par>
+                      </p:childTnLst>
+                    </p:cTn>
+                  </p:par>
+                </p:childTnLst>
+              </p:cTn>
+              <p:prevCondLst>
+                <p:cond evt="onPrev" delay="0">
+                  <p:tgtEl>
+                    <p:sldTgt/>
+                  </p:tgtEl>
+                </p:cond>
+              </p:prevCondLst>
+              <p:nextCondLst>
+                <p:cond evt="onNext" delay="0">
+                  <p:tgtEl>
+                    <p:sldTgt/>
+                  </p:tgtEl>
+                </p:cond>
+              </p:nextCondLst>
+            </p:seq>
+          </p:childTnLst>
+        </p:cTn>
+      </p:par>
+    </p:tnLst>
+  </p:timing>
 </p:sld>
 </file>
 
@@ -8983,25 +11175,30 @@
             </a:pPr>
             <a:r>
               <a:rPr lang="en" dirty="0"/>
-              <a:t>Deployed</a:t>
+              <a:t>Deployed - </a:t>
             </a:r>
             <a:endParaRPr dirty="0"/>
           </a:p>
           <a:p>
-            <a:pPr lvl="0" algn="l" rtl="0">
-              <a:spcBef>
-                <a:spcPts val="0"/>
-              </a:spcBef>
-              <a:spcAft>
-                <a:spcPts val="0"/>
-              </a:spcAft>
-              <a:buSzPts val="1800"/>
+            <a:pPr lvl="0">
               <a:buFont typeface="Wingdings" panose="05000000000000000000" pitchFamily="2" charset="2"/>
               <a:buChar char="§"/>
             </a:pPr>
             <a:r>
               <a:rPr lang="en" dirty="0"/>
-              <a:t>GitHub repo</a:t>
+              <a:t>GitHub repo - </a:t>
+            </a:r>
+            <a:r>
+              <a:rPr lang="en-US" dirty="0" err="1"/>
+              <a:t>git@github.com:NydiaGal</a:t>
+            </a:r>
+            <a:r>
+              <a:rPr lang="en-US" dirty="0"/>
+              <a:t>/</a:t>
+            </a:r>
+            <a:r>
+              <a:rPr lang="en-US"/>
+              <a:t>FrugalDishWizard.git</a:t>
             </a:r>
             <a:endParaRPr dirty="0"/>
           </a:p>
@@ -9012,6 +11209,140 @@
   <p:clrMapOvr>
     <a:masterClrMapping/>
   </p:clrMapOvr>
+  <p:timing>
+    <p:tnLst>
+      <p:par>
+        <p:cTn id="1" dur="indefinite" restart="never" nodeType="tmRoot">
+          <p:childTnLst>
+            <p:seq concurrent="1" nextAc="seek">
+              <p:cTn id="2" dur="indefinite" nodeType="mainSeq">
+                <p:childTnLst>
+                  <p:par>
+                    <p:cTn id="3" fill="hold">
+                      <p:stCondLst>
+                        <p:cond delay="indefinite"/>
+                      </p:stCondLst>
+                      <p:childTnLst>
+                        <p:par>
+                          <p:cTn id="4" fill="hold">
+                            <p:stCondLst>
+                              <p:cond delay="0"/>
+                            </p:stCondLst>
+                            <p:childTnLst>
+                              <p:par>
+                                <p:cTn id="5" presetID="10" presetClass="entr" presetSubtype="0" fill="hold" nodeType="clickEffect">
+                                  <p:stCondLst>
+                                    <p:cond delay="0"/>
+                                  </p:stCondLst>
+                                  <p:childTnLst>
+                                    <p:set>
+                                      <p:cBhvr>
+                                        <p:cTn id="6" dur="1" fill="hold">
+                                          <p:stCondLst>
+                                            <p:cond delay="0"/>
+                                          </p:stCondLst>
+                                        </p:cTn>
+                                        <p:tgtEl>
+                                          <p:spTgt spid="89">
+                                            <p:txEl>
+                                              <p:pRg st="0" end="0"/>
+                                            </p:txEl>
+                                          </p:spTgt>
+                                        </p:tgtEl>
+                                        <p:attrNameLst>
+                                          <p:attrName>style.visibility</p:attrName>
+                                        </p:attrNameLst>
+                                      </p:cBhvr>
+                                      <p:to>
+                                        <p:strVal val="visible"/>
+                                      </p:to>
+                                    </p:set>
+                                    <p:animEffect transition="in" filter="fade">
+                                      <p:cBhvr>
+                                        <p:cTn id="7" dur="500"/>
+                                        <p:tgtEl>
+                                          <p:spTgt spid="89">
+                                            <p:txEl>
+                                              <p:pRg st="0" end="0"/>
+                                            </p:txEl>
+                                          </p:spTgt>
+                                        </p:tgtEl>
+                                      </p:cBhvr>
+                                    </p:animEffect>
+                                  </p:childTnLst>
+                                </p:cTn>
+                              </p:par>
+                              <p:par>
+                                <p:cTn id="8" presetID="10" presetClass="entr" presetSubtype="0" fill="hold" nodeType="withEffect">
+                                  <p:stCondLst>
+                                    <p:cond delay="0"/>
+                                  </p:stCondLst>
+                                  <p:childTnLst>
+                                    <p:set>
+                                      <p:cBhvr>
+                                        <p:cTn id="9" dur="1" fill="hold">
+                                          <p:stCondLst>
+                                            <p:cond delay="0"/>
+                                          </p:stCondLst>
+                                        </p:cTn>
+                                        <p:tgtEl>
+                                          <p:spTgt spid="89">
+                                            <p:txEl>
+                                              <p:pRg st="1" end="1"/>
+                                            </p:txEl>
+                                          </p:spTgt>
+                                        </p:tgtEl>
+                                        <p:attrNameLst>
+                                          <p:attrName>style.visibility</p:attrName>
+                                        </p:attrNameLst>
+                                      </p:cBhvr>
+                                      <p:to>
+                                        <p:strVal val="visible"/>
+                                      </p:to>
+                                    </p:set>
+                                    <p:animEffect transition="in" filter="fade">
+                                      <p:cBhvr>
+                                        <p:cTn id="10" dur="500"/>
+                                        <p:tgtEl>
+                                          <p:spTgt spid="89">
+                                            <p:txEl>
+                                              <p:pRg st="1" end="1"/>
+                                            </p:txEl>
+                                          </p:spTgt>
+                                        </p:tgtEl>
+                                      </p:cBhvr>
+                                    </p:animEffect>
+                                  </p:childTnLst>
+                                </p:cTn>
+                              </p:par>
+                            </p:childTnLst>
+                          </p:cTn>
+                        </p:par>
+                      </p:childTnLst>
+                    </p:cTn>
+                  </p:par>
+                </p:childTnLst>
+              </p:cTn>
+              <p:prevCondLst>
+                <p:cond evt="onPrev" delay="0">
+                  <p:tgtEl>
+                    <p:sldTgt/>
+                  </p:tgtEl>
+                </p:cond>
+              </p:prevCondLst>
+              <p:nextCondLst>
+                <p:cond evt="onNext" delay="0">
+                  <p:tgtEl>
+                    <p:sldTgt/>
+                  </p:tgtEl>
+                </p:cond>
+              </p:nextCondLst>
+            </p:seq>
+          </p:childTnLst>
+        </p:cTn>
+      </p:par>
+    </p:tnLst>
+  </p:timing>
 </p:sld>
 </file>
 
